--- a/Related_documents/中期报告.pptx
+++ b/Related_documents/中期报告.pptx
@@ -304,7 +304,7 @@
             <a:pPr algn="r">
               <a:buNone/>
             </a:pPr>
-            <a:fld id="{FE06B3D4-CB4E-46D1-A7FD-AD028B60CD84}" type="slidenum">
+            <a:fld id="{B522EA9C-2271-4E33-9D79-57EA772F5002}" type="slidenum">
               <a:rPr b="0" lang="en-US" sz="1400" spc="-1" strike="noStrike">
                 <a:latin typeface="Times New Roman"/>
               </a:rPr>
@@ -352,7 +352,7 @@
         <p:spPr>
           <a:xfrm>
             <a:off x="685800" y="1143000"/>
-            <a:ext cx="5485680" cy="3085560"/>
+            <a:ext cx="5485320" cy="3085200"/>
           </a:xfrm>
           <a:prstGeom prst="rect">
             <a:avLst/>
@@ -375,7 +375,7 @@
         <p:spPr>
           <a:xfrm>
             <a:off x="685800" y="4400640"/>
-            <a:ext cx="5485680" cy="3599640"/>
+            <a:ext cx="5485320" cy="3599280"/>
           </a:xfrm>
           <a:prstGeom prst="rect">
             <a:avLst/>
@@ -409,7 +409,7 @@
         <p:spPr>
           <a:xfrm>
             <a:off x="3884760" y="8685360"/>
-            <a:ext cx="2971080" cy="457920"/>
+            <a:ext cx="2970720" cy="457560"/>
           </a:xfrm>
           <a:prstGeom prst="rect">
             <a:avLst/>
@@ -445,7 +445,7 @@
               </a:lnSpc>
               <a:buNone/>
             </a:pPr>
-            <a:fld id="{46C0C2BC-5C4D-4945-AFAD-F19608B09805}" type="slidenum">
+            <a:fld id="{11D2F5A4-29E0-4401-AE1A-2168430AA968}" type="slidenum">
               <a:rPr b="0" lang="en-US" sz="1200" spc="-1" strike="noStrike">
                 <a:solidFill>
                   <a:srgbClr val="000000"/>
@@ -453,7 +453,7 @@
                 <a:latin typeface="+mn-lt"/>
                 <a:ea typeface="+mn-ea"/>
               </a:rPr>
-              <a:t>3</a:t>
+              <a:t>&lt;number&gt;</a:t>
             </a:fld>
             <a:endParaRPr b="0" lang="en-US" sz="1200" spc="-1" strike="noStrike">
               <a:latin typeface="Times New Roman"/>
@@ -496,7 +496,7 @@
         <p:spPr>
           <a:xfrm>
             <a:off x="685800" y="1143000"/>
-            <a:ext cx="5485680" cy="3085560"/>
+            <a:ext cx="5485320" cy="3085200"/>
           </a:xfrm>
           <a:prstGeom prst="rect">
             <a:avLst/>
@@ -519,7 +519,7 @@
         <p:spPr>
           <a:xfrm>
             <a:off x="685800" y="4400640"/>
-            <a:ext cx="5485680" cy="3599640"/>
+            <a:ext cx="5485320" cy="3599280"/>
           </a:xfrm>
           <a:prstGeom prst="rect">
             <a:avLst/>
@@ -553,7 +553,7 @@
         <p:spPr>
           <a:xfrm>
             <a:off x="3884760" y="8685360"/>
-            <a:ext cx="2971080" cy="457920"/>
+            <a:ext cx="2970720" cy="457560"/>
           </a:xfrm>
           <a:prstGeom prst="rect">
             <a:avLst/>
@@ -589,7 +589,7 @@
               </a:lnSpc>
               <a:buNone/>
             </a:pPr>
-            <a:fld id="{17DD61AF-F771-4DCF-B69F-AC3422904CA8}" type="slidenum">
+            <a:fld id="{082F95FA-32B9-4B87-9F30-E304E98735D7}" type="slidenum">
               <a:rPr b="0" lang="en-US" sz="1200" spc="-1" strike="noStrike">
                 <a:solidFill>
                   <a:srgbClr val="000000"/>
@@ -640,7 +640,7 @@
         <p:spPr>
           <a:xfrm>
             <a:off x="685800" y="1143000"/>
-            <a:ext cx="5485680" cy="3085560"/>
+            <a:ext cx="5485320" cy="3085200"/>
           </a:xfrm>
           <a:prstGeom prst="rect">
             <a:avLst/>
@@ -663,7 +663,7 @@
         <p:spPr>
           <a:xfrm>
             <a:off x="685800" y="4400640"/>
-            <a:ext cx="5485680" cy="3599640"/>
+            <a:ext cx="5485320" cy="3599280"/>
           </a:xfrm>
           <a:prstGeom prst="rect">
             <a:avLst/>
@@ -697,7 +697,7 @@
         <p:spPr>
           <a:xfrm>
             <a:off x="3884760" y="8685360"/>
-            <a:ext cx="2971080" cy="457920"/>
+            <a:ext cx="2970720" cy="457560"/>
           </a:xfrm>
           <a:prstGeom prst="rect">
             <a:avLst/>
@@ -729,11 +729,11 @@
               </a:lnSpc>
               <a:buNone/>
             </a:pPr>
-            <a:fld id="{DF38C47C-7449-43F8-9ECC-BE8A9DE7B654}" type="slidenum">
+            <a:fld id="{2C9BCA23-D4EC-4EE1-BA88-C1C4902B4E6A}" type="slidenum">
               <a:rPr b="0" lang="en-US" sz="1200" spc="-1" strike="noStrike">
                 <a:latin typeface="Times New Roman"/>
               </a:rPr>
-              <a:t>3</a:t>
+              <a:t>&lt;number&gt;</a:t>
             </a:fld>
             <a:endParaRPr b="0" lang="en-US" sz="1200" spc="-1" strike="noStrike">
               <a:latin typeface="Times New Roman"/>
@@ -776,7 +776,7 @@
         <p:spPr>
           <a:xfrm>
             <a:off x="685800" y="1143000"/>
-            <a:ext cx="5485680" cy="3085560"/>
+            <a:ext cx="5485320" cy="3085200"/>
           </a:xfrm>
           <a:prstGeom prst="rect">
             <a:avLst/>
@@ -799,7 +799,7 @@
         <p:spPr>
           <a:xfrm>
             <a:off x="685800" y="4400640"/>
-            <a:ext cx="5485680" cy="3599640"/>
+            <a:ext cx="5485320" cy="3599280"/>
           </a:xfrm>
           <a:prstGeom prst="rect">
             <a:avLst/>
@@ -833,7 +833,7 @@
         <p:spPr>
           <a:xfrm>
             <a:off x="3884760" y="8685360"/>
-            <a:ext cx="2971080" cy="457920"/>
+            <a:ext cx="2970720" cy="457560"/>
           </a:xfrm>
           <a:prstGeom prst="rect">
             <a:avLst/>
@@ -869,7 +869,7 @@
               </a:lnSpc>
               <a:buNone/>
             </a:pPr>
-            <a:fld id="{3EE44FB6-E4B2-4A77-B0D3-081A7487348A}" type="slidenum">
+            <a:fld id="{96523E5B-F47F-4545-BF1B-2B1C8B62CD36}" type="slidenum">
               <a:rPr b="0" lang="en-US" sz="1200" spc="-1" strike="noStrike">
                 <a:solidFill>
                   <a:srgbClr val="000000"/>
@@ -877,7 +877,7 @@
                 <a:latin typeface="+mn-lt"/>
                 <a:ea typeface="+mn-ea"/>
               </a:rPr>
-              <a:t>3</a:t>
+              <a:t>&lt;number&gt;</a:t>
             </a:fld>
             <a:endParaRPr b="0" lang="en-US" sz="1200" spc="-1" strike="noStrike">
               <a:latin typeface="Times New Roman"/>
@@ -920,7 +920,7 @@
         <p:spPr>
           <a:xfrm>
             <a:off x="685800" y="1143000"/>
-            <a:ext cx="5485680" cy="3085560"/>
+            <a:ext cx="5485320" cy="3085200"/>
           </a:xfrm>
           <a:prstGeom prst="rect">
             <a:avLst/>
@@ -943,7 +943,7 @@
         <p:spPr>
           <a:xfrm>
             <a:off x="685800" y="4400640"/>
-            <a:ext cx="5485680" cy="3599640"/>
+            <a:ext cx="5485320" cy="3599280"/>
           </a:xfrm>
           <a:prstGeom prst="rect">
             <a:avLst/>
@@ -977,7 +977,7 @@
         <p:spPr>
           <a:xfrm>
             <a:off x="3884760" y="8685360"/>
-            <a:ext cx="2971080" cy="457920"/>
+            <a:ext cx="2970720" cy="457560"/>
           </a:xfrm>
           <a:prstGeom prst="rect">
             <a:avLst/>
@@ -1013,7 +1013,7 @@
               </a:lnSpc>
               <a:buNone/>
             </a:pPr>
-            <a:fld id="{2503076D-384B-4BD0-A3F3-CB0F88E7CDF9}" type="slidenum">
+            <a:fld id="{F6399A13-EA05-4BF6-B98C-A61020C3F343}" type="slidenum">
               <a:rPr b="0" lang="en-US" sz="1200" spc="-1" strike="noStrike">
                 <a:solidFill>
                   <a:srgbClr val="000000"/>
@@ -1021,7 +1021,7 @@
                 <a:latin typeface="+mn-lt"/>
                 <a:ea typeface="+mn-ea"/>
               </a:rPr>
-              <a:t>3</a:t>
+              <a:t>&lt;number&gt;</a:t>
             </a:fld>
             <a:endParaRPr b="0" lang="en-US" sz="1200" spc="-1" strike="noStrike">
               <a:latin typeface="Times New Roman"/>
@@ -1064,7 +1064,7 @@
         <p:spPr>
           <a:xfrm>
             <a:off x="685800" y="1143000"/>
-            <a:ext cx="5485680" cy="3085560"/>
+            <a:ext cx="5485320" cy="3085200"/>
           </a:xfrm>
           <a:prstGeom prst="rect">
             <a:avLst/>
@@ -1087,7 +1087,7 @@
         <p:spPr>
           <a:xfrm>
             <a:off x="685800" y="4400640"/>
-            <a:ext cx="5485680" cy="3599640"/>
+            <a:ext cx="5485320" cy="3599280"/>
           </a:xfrm>
           <a:prstGeom prst="rect">
             <a:avLst/>
@@ -1121,7 +1121,7 @@
         <p:spPr>
           <a:xfrm>
             <a:off x="3884760" y="8685360"/>
-            <a:ext cx="2971080" cy="457920"/>
+            <a:ext cx="2970720" cy="457560"/>
           </a:xfrm>
           <a:prstGeom prst="rect">
             <a:avLst/>
@@ -1157,7 +1157,7 @@
               </a:lnSpc>
               <a:buNone/>
             </a:pPr>
-            <a:fld id="{D3FDF025-090D-4224-99A7-2BA4DF92854C}" type="slidenum">
+            <a:fld id="{196ACE45-3076-422A-B056-B5352142D7D7}" type="slidenum">
               <a:rPr b="0" lang="en-US" sz="1200" spc="-1" strike="noStrike">
                 <a:solidFill>
                   <a:srgbClr val="000000"/>
@@ -1165,7 +1165,7 @@
                 <a:latin typeface="+mn-lt"/>
                 <a:ea typeface="+mn-ea"/>
               </a:rPr>
-              <a:t>3</a:t>
+              <a:t>&lt;number&gt;</a:t>
             </a:fld>
             <a:endParaRPr b="0" lang="en-US" sz="1200" spc="-1" strike="noStrike">
               <a:latin typeface="Times New Roman"/>
@@ -1208,7 +1208,7 @@
         <p:spPr>
           <a:xfrm>
             <a:off x="685800" y="1143000"/>
-            <a:ext cx="5485680" cy="3085560"/>
+            <a:ext cx="5485320" cy="3085200"/>
           </a:xfrm>
           <a:prstGeom prst="rect">
             <a:avLst/>
@@ -1231,7 +1231,7 @@
         <p:spPr>
           <a:xfrm>
             <a:off x="685800" y="4400640"/>
-            <a:ext cx="5485680" cy="3599640"/>
+            <a:ext cx="5485320" cy="3599280"/>
           </a:xfrm>
           <a:prstGeom prst="rect">
             <a:avLst/>
@@ -1265,7 +1265,7 @@
         <p:spPr>
           <a:xfrm>
             <a:off x="3884760" y="8685360"/>
-            <a:ext cx="2971080" cy="457920"/>
+            <a:ext cx="2970720" cy="457560"/>
           </a:xfrm>
           <a:prstGeom prst="rect">
             <a:avLst/>
@@ -1301,7 +1301,7 @@
               </a:lnSpc>
               <a:buNone/>
             </a:pPr>
-            <a:fld id="{C034E53E-889A-4B94-9415-BFA7E7E3C280}" type="slidenum">
+            <a:fld id="{ACF175FA-453C-4719-8DBD-4C9D7B6D8624}" type="slidenum">
               <a:rPr b="0" lang="en-US" sz="1200" spc="-1" strike="noStrike">
                 <a:solidFill>
                   <a:srgbClr val="000000"/>
@@ -1309,7 +1309,7 @@
                 <a:latin typeface="+mn-lt"/>
                 <a:ea typeface="+mn-ea"/>
               </a:rPr>
-              <a:t>3</a:t>
+              <a:t>&lt;number&gt;</a:t>
             </a:fld>
             <a:endParaRPr b="0" lang="en-US" sz="1200" spc="-1" strike="noStrike">
               <a:latin typeface="Times New Roman"/>
@@ -1352,7 +1352,7 @@
         <p:spPr>
           <a:xfrm>
             <a:off x="685800" y="1143000"/>
-            <a:ext cx="5485680" cy="3085560"/>
+            <a:ext cx="5485320" cy="3085200"/>
           </a:xfrm>
           <a:prstGeom prst="rect">
             <a:avLst/>
@@ -1375,7 +1375,7 @@
         <p:spPr>
           <a:xfrm>
             <a:off x="685800" y="4400640"/>
-            <a:ext cx="5485680" cy="3599640"/>
+            <a:ext cx="5485320" cy="3599280"/>
           </a:xfrm>
           <a:prstGeom prst="rect">
             <a:avLst/>
@@ -1409,7 +1409,7 @@
         <p:spPr>
           <a:xfrm>
             <a:off x="3884760" y="8685360"/>
-            <a:ext cx="2971080" cy="457920"/>
+            <a:ext cx="2970720" cy="457560"/>
           </a:xfrm>
           <a:prstGeom prst="rect">
             <a:avLst/>
@@ -1445,7 +1445,7 @@
               </a:lnSpc>
               <a:buNone/>
             </a:pPr>
-            <a:fld id="{F02E3226-B00B-4E0E-9D1A-80FB51A1B1F6}" type="slidenum">
+            <a:fld id="{21DC6CD6-856B-4276-B9F8-BA91303F036C}" type="slidenum">
               <a:rPr b="0" lang="en-US" sz="1200" spc="-1" strike="noStrike">
                 <a:solidFill>
                   <a:srgbClr val="000000"/>
@@ -1453,7 +1453,7 @@
                 <a:latin typeface="+mn-lt"/>
                 <a:ea typeface="+mn-ea"/>
               </a:rPr>
-              <a:t>3</a:t>
+              <a:t>&lt;number&gt;</a:t>
             </a:fld>
             <a:endParaRPr b="0" lang="en-US" sz="1200" spc="-1" strike="noStrike">
               <a:latin typeface="Times New Roman"/>
@@ -1496,7 +1496,7 @@
         <p:spPr>
           <a:xfrm>
             <a:off x="685800" y="1143000"/>
-            <a:ext cx="5485680" cy="3085560"/>
+            <a:ext cx="5485320" cy="3085200"/>
           </a:xfrm>
           <a:prstGeom prst="rect">
             <a:avLst/>
@@ -1519,7 +1519,7 @@
         <p:spPr>
           <a:xfrm>
             <a:off x="685800" y="4400640"/>
-            <a:ext cx="5485680" cy="3599640"/>
+            <a:ext cx="5485320" cy="3599280"/>
           </a:xfrm>
           <a:prstGeom prst="rect">
             <a:avLst/>
@@ -1553,7 +1553,7 @@
         <p:spPr>
           <a:xfrm>
             <a:off x="3884760" y="8685360"/>
-            <a:ext cx="2971080" cy="457920"/>
+            <a:ext cx="2970720" cy="457560"/>
           </a:xfrm>
           <a:prstGeom prst="rect">
             <a:avLst/>
@@ -1589,7 +1589,7 @@
               </a:lnSpc>
               <a:buNone/>
             </a:pPr>
-            <a:fld id="{3AF1AEF2-CCBD-447D-9168-D51DEE55C290}" type="slidenum">
+            <a:fld id="{AA97C11B-D56F-4AAC-9D91-6674DC03477B}" type="slidenum">
               <a:rPr b="0" lang="en-US" sz="1200" spc="-1" strike="noStrike">
                 <a:solidFill>
                   <a:srgbClr val="000000"/>
@@ -1640,7 +1640,7 @@
         <p:spPr>
           <a:xfrm>
             <a:off x="685800" y="1143000"/>
-            <a:ext cx="5485680" cy="3085560"/>
+            <a:ext cx="5485320" cy="3085200"/>
           </a:xfrm>
           <a:prstGeom prst="rect">
             <a:avLst/>
@@ -1663,7 +1663,7 @@
         <p:spPr>
           <a:xfrm>
             <a:off x="685800" y="4400640"/>
-            <a:ext cx="5485680" cy="3599640"/>
+            <a:ext cx="5485320" cy="3599280"/>
           </a:xfrm>
           <a:prstGeom prst="rect">
             <a:avLst/>
@@ -1697,7 +1697,7 @@
         <p:spPr>
           <a:xfrm>
             <a:off x="3884760" y="8685360"/>
-            <a:ext cx="2971080" cy="457920"/>
+            <a:ext cx="2970720" cy="457560"/>
           </a:xfrm>
           <a:prstGeom prst="rect">
             <a:avLst/>
@@ -1733,7 +1733,7 @@
               </a:lnSpc>
               <a:buNone/>
             </a:pPr>
-            <a:fld id="{79E765F3-13EB-42C0-9200-B8B4211448A7}" type="slidenum">
+            <a:fld id="{43CF2BE7-BAB7-419D-8B68-DCA3A76CAA66}" type="slidenum">
               <a:rPr b="0" lang="en-US" sz="1200" spc="-1" strike="noStrike">
                 <a:solidFill>
                   <a:srgbClr val="000000"/>
@@ -7883,7 +7883,7 @@
         <p:spPr>
           <a:xfrm>
             <a:off x="0" y="0"/>
-            <a:ext cx="12191400" cy="6857280"/>
+            <a:ext cx="12191040" cy="6856920"/>
           </a:xfrm>
           <a:prstGeom prst="rect">
             <a:avLst/>
@@ -7919,7 +7919,7 @@
         <p:spPr>
           <a:xfrm>
             <a:off x="0" y="0"/>
-            <a:ext cx="12191400" cy="6857280"/>
+            <a:ext cx="12191040" cy="6856920"/>
           </a:xfrm>
           <a:prstGeom prst="rect">
             <a:avLst/>
@@ -7963,7 +7963,7 @@
         <p:spPr>
           <a:xfrm>
             <a:off x="221760" y="0"/>
-            <a:ext cx="7536240" cy="6857280"/>
+            <a:ext cx="7535880" cy="6856920"/>
           </a:xfrm>
           <a:custGeom>
             <a:avLst/>
@@ -8044,7 +8044,7 @@
         <p:spPr>
           <a:xfrm>
             <a:off x="189720" y="0"/>
-            <a:ext cx="7536240" cy="6857280"/>
+            <a:ext cx="7535880" cy="6856920"/>
           </a:xfrm>
           <a:custGeom>
             <a:avLst/>
@@ -8113,7 +8113,7 @@
         <p:spPr>
           <a:xfrm>
             <a:off x="0" y="0"/>
-            <a:ext cx="7536240" cy="6857280"/>
+            <a:ext cx="7535880" cy="6856920"/>
           </a:xfrm>
           <a:custGeom>
             <a:avLst/>
@@ -8188,8 +8188,8 @@
         </p:nvSpPr>
         <p:spPr>
           <a:xfrm flipV="1">
-            <a:off x="660240" y="3828240"/>
-            <a:ext cx="6488640" cy="192600"/>
+            <a:off x="660240" y="3827880"/>
+            <a:ext cx="6488280" cy="192240"/>
           </a:xfrm>
           <a:custGeom>
             <a:avLst/>
@@ -8249,7 +8249,7 @@
         <p:spPr>
           <a:xfrm>
             <a:off x="474480" y="318240"/>
-            <a:ext cx="2104200" cy="834840"/>
+            <a:ext cx="2103840" cy="834840"/>
           </a:xfrm>
           <a:prstGeom prst="rect">
             <a:avLst/>
@@ -8280,7 +8280,7 @@
               </a:tabLst>
             </a:pPr>
             <a:r>
-              <a:rPr b="1" lang="en-US" sz="2400" spc="94" strike="noStrike">
+              <a:rPr b="1" lang="en-US" sz="2400" spc="92" strike="noStrike">
                 <a:solidFill>
                   <a:srgbClr val="a2a2a2"/>
                 </a:solidFill>
@@ -8290,7 +8290,7 @@
               <a:t>◁ </a:t>
             </a:r>
             <a:r>
-              <a:rPr b="1" lang="en-US" sz="2400" spc="94" strike="noStrike">
+              <a:rPr b="1" lang="en-US" sz="2400" spc="92" strike="noStrike">
                 <a:solidFill>
                   <a:srgbClr val="a2a2a2"/>
                 </a:solidFill>
@@ -8318,7 +8318,7 @@
         <p:spPr>
           <a:xfrm>
             <a:off x="8250840" y="-774720"/>
-            <a:ext cx="7884720" cy="7587720"/>
+            <a:ext cx="7884360" cy="7587360"/>
           </a:xfrm>
           <a:prstGeom prst="rect">
             <a:avLst/>
@@ -8341,7 +8341,7 @@
         <p:spPr>
           <a:xfrm>
             <a:off x="8250840" y="2196720"/>
-            <a:ext cx="3242520" cy="2463480"/>
+            <a:ext cx="3242160" cy="2463120"/>
           </a:xfrm>
           <a:prstGeom prst="rect">
             <a:avLst/>
@@ -8360,9 +8360,9 @@
         <p:grpSpPr>
           <a:xfrm>
             <a:off x="671400" y="6061320"/>
-            <a:ext cx="2478960" cy="304200"/>
+            <a:ext cx="2478600" cy="303840"/>
             <a:chOff x="671400" y="6061320"/>
-            <a:chExt cx="2478960" cy="304200"/>
+            <a:chExt cx="2478600" cy="303840"/>
           </a:xfrm>
         </p:grpSpPr>
         <p:grpSp>
@@ -8374,9 +8374,9 @@
           <p:grpSpPr>
             <a:xfrm>
               <a:off x="2098440" y="6064920"/>
-              <a:ext cx="1051920" cy="297720"/>
+              <a:ext cx="1051560" cy="297360"/>
               <a:chOff x="2098440" y="6064920"/>
-              <a:chExt cx="1051920" cy="297720"/>
+              <a:chExt cx="1051560" cy="297360"/>
             </a:xfrm>
           </p:grpSpPr>
           <p:sp>
@@ -8388,7 +8388,7 @@
             <p:spPr>
               <a:xfrm>
                 <a:off x="2679840" y="6083640"/>
-                <a:ext cx="234360" cy="264600"/>
+                <a:ext cx="234000" cy="264240"/>
               </a:xfrm>
               <a:custGeom>
                 <a:avLst/>
@@ -8872,7 +8872,7 @@
             <p:spPr>
               <a:xfrm>
                 <a:off x="3015720" y="6126120"/>
-                <a:ext cx="134640" cy="203040"/>
+                <a:ext cx="134280" cy="202680"/>
               </a:xfrm>
               <a:custGeom>
                 <a:avLst/>
@@ -9006,9 +9006,9 @@
             <p:grpSpPr>
               <a:xfrm>
                 <a:off x="2098440" y="6064920"/>
-                <a:ext cx="240120" cy="297720"/>
+                <a:ext cx="239760" cy="297360"/>
                 <a:chOff x="2098440" y="6064920"/>
-                <a:chExt cx="240120" cy="297720"/>
+                <a:chExt cx="239760" cy="297360"/>
               </a:xfrm>
             </p:grpSpPr>
             <p:sp>
@@ -9020,7 +9020,7 @@
               <p:spPr>
                 <a:xfrm>
                   <a:off x="2098440" y="6064920"/>
-                  <a:ext cx="240120" cy="195480"/>
+                  <a:ext cx="239760" cy="195120"/>
                 </a:xfrm>
                 <a:custGeom>
                   <a:avLst/>
@@ -9279,7 +9279,7 @@
               <p:spPr>
                 <a:xfrm>
                   <a:off x="2149560" y="6184080"/>
-                  <a:ext cx="149400" cy="178560"/>
+                  <a:ext cx="149040" cy="178200"/>
                 </a:xfrm>
                 <a:custGeom>
                   <a:avLst/>
@@ -9474,9 +9474,9 @@
             <p:grpSpPr>
               <a:xfrm>
                 <a:off x="2433600" y="6146280"/>
-                <a:ext cx="145080" cy="155520"/>
+                <a:ext cx="144720" cy="155160"/>
                 <a:chOff x="2433600" y="6146280"/>
-                <a:chExt cx="145080" cy="155520"/>
+                <a:chExt cx="144720" cy="155160"/>
               </a:xfrm>
             </p:grpSpPr>
             <p:sp>
@@ -9488,7 +9488,7 @@
               <p:spPr>
                 <a:xfrm>
                   <a:off x="2433600" y="6181200"/>
-                  <a:ext cx="66600" cy="107280"/>
+                  <a:ext cx="66240" cy="106920"/>
                 </a:xfrm>
                 <a:custGeom>
                   <a:avLst/>
@@ -9592,7 +9592,7 @@
               <p:spPr>
                 <a:xfrm>
                   <a:off x="2505960" y="6150240"/>
-                  <a:ext cx="72720" cy="151560"/>
+                  <a:ext cx="72360" cy="151200"/>
                 </a:xfrm>
                 <a:custGeom>
                   <a:avLst/>
@@ -9721,7 +9721,7 @@
               <p:spPr>
                 <a:xfrm>
                   <a:off x="2471760" y="6146280"/>
-                  <a:ext cx="47520" cy="27360"/>
+                  <a:ext cx="47160" cy="27000"/>
                 </a:xfrm>
                 <a:custGeom>
                   <a:avLst/>
@@ -9787,9 +9787,9 @@
           <p:grpSpPr>
             <a:xfrm>
               <a:off x="671400" y="6061320"/>
-              <a:ext cx="1099800" cy="304200"/>
+              <a:ext cx="1099440" cy="303840"/>
               <a:chOff x="671400" y="6061320"/>
-              <a:chExt cx="1099800" cy="304200"/>
+              <a:chExt cx="1099440" cy="303840"/>
             </a:xfrm>
           </p:grpSpPr>
           <p:grpSp>
@@ -9801,9 +9801,9 @@
             <p:grpSpPr>
               <a:xfrm>
                 <a:off x="1256040" y="6111000"/>
-                <a:ext cx="212040" cy="223200"/>
+                <a:ext cx="211680" cy="222840"/>
                 <a:chOff x="1256040" y="6111000"/>
-                <a:chExt cx="212040" cy="223200"/>
+                <a:chExt cx="211680" cy="222840"/>
               </a:xfrm>
             </p:grpSpPr>
             <p:sp>
@@ -9815,7 +9815,7 @@
               <p:spPr>
                 <a:xfrm>
                   <a:off x="1256040" y="6127560"/>
-                  <a:ext cx="110160" cy="187560"/>
+                  <a:ext cx="109800" cy="187200"/>
                 </a:xfrm>
                 <a:custGeom>
                   <a:avLst/>
@@ -9993,7 +9993,7 @@
               <p:spPr>
                 <a:xfrm>
                   <a:off x="1364760" y="6111000"/>
-                  <a:ext cx="103320" cy="223200"/>
+                  <a:ext cx="102960" cy="222840"/>
                 </a:xfrm>
                 <a:custGeom>
                   <a:avLst/>
@@ -10232,9 +10232,9 @@
             <p:grpSpPr>
               <a:xfrm>
                 <a:off x="671400" y="6061320"/>
-                <a:ext cx="240840" cy="304200"/>
+                <a:ext cx="240480" cy="303840"/>
                 <a:chOff x="671400" y="6061320"/>
-                <a:chExt cx="240840" cy="304200"/>
+                <a:chExt cx="240480" cy="303840"/>
               </a:xfrm>
             </p:grpSpPr>
             <p:sp>
@@ -10246,7 +10246,7 @@
               <p:spPr>
                 <a:xfrm>
                   <a:off x="671400" y="6061320"/>
-                  <a:ext cx="240840" cy="287640"/>
+                  <a:ext cx="240480" cy="287280"/>
                 </a:xfrm>
                 <a:custGeom>
                   <a:avLst/>
@@ -10747,7 +10747,7 @@
               <p:spPr>
                 <a:xfrm>
                   <a:off x="737640" y="6285960"/>
-                  <a:ext cx="29160" cy="79560"/>
+                  <a:ext cx="28800" cy="79200"/>
                 </a:xfrm>
                 <a:custGeom>
                   <a:avLst/>
@@ -10812,9 +10812,9 @@
             <p:grpSpPr>
               <a:xfrm>
                 <a:off x="998280" y="6148440"/>
-                <a:ext cx="161280" cy="138960"/>
+                <a:ext cx="160920" cy="138600"/>
                 <a:chOff x="998280" y="6148440"/>
-                <a:chExt cx="161280" cy="138960"/>
+                <a:chExt cx="160920" cy="138600"/>
               </a:xfrm>
             </p:grpSpPr>
             <p:sp>
@@ -10826,7 +10826,7 @@
               <p:spPr>
                 <a:xfrm>
                   <a:off x="1052640" y="6148440"/>
-                  <a:ext cx="106920" cy="138960"/>
+                  <a:ext cx="106560" cy="138600"/>
                 </a:xfrm>
                 <a:custGeom>
                   <a:avLst/>
@@ -10935,7 +10935,7 @@
               <p:spPr>
                 <a:xfrm>
                   <a:off x="998280" y="6183360"/>
-                  <a:ext cx="53640" cy="102600"/>
+                  <a:ext cx="53280" cy="102240"/>
                 </a:xfrm>
                 <a:custGeom>
                   <a:avLst/>
@@ -11039,7 +11039,7 @@
               <p:spPr>
                 <a:xfrm>
                   <a:off x="1030320" y="6149880"/>
-                  <a:ext cx="49680" cy="31320"/>
+                  <a:ext cx="49320" cy="30960"/>
                 </a:xfrm>
                 <a:custGeom>
                   <a:avLst/>
@@ -11109,9 +11109,9 @@
             <p:grpSpPr>
               <a:xfrm>
                 <a:off x="1586160" y="6123240"/>
-                <a:ext cx="185040" cy="184320"/>
+                <a:ext cx="184680" cy="183960"/>
                 <a:chOff x="1586160" y="6123240"/>
-                <a:chExt cx="185040" cy="184320"/>
+                <a:chExt cx="184680" cy="183960"/>
               </a:xfrm>
             </p:grpSpPr>
             <p:sp>
@@ -11123,7 +11123,7 @@
               <p:spPr>
                 <a:xfrm>
                   <a:off x="1641960" y="6123240"/>
-                  <a:ext cx="129240" cy="181080"/>
+                  <a:ext cx="128880" cy="180720"/>
                 </a:xfrm>
                 <a:custGeom>
                   <a:avLst/>
@@ -11431,7 +11431,7 @@
               <p:spPr>
                 <a:xfrm>
                   <a:off x="1586160" y="6132960"/>
-                  <a:ext cx="69120" cy="174600"/>
+                  <a:ext cx="68760" cy="174240"/>
                 </a:xfrm>
                 <a:custGeom>
                   <a:avLst/>
@@ -11857,8 +11857,8 @@
         </p:nvSpPr>
         <p:spPr>
           <a:xfrm rot="16200000">
-            <a:off x="-1589040" y="2661120"/>
-            <a:ext cx="5316840" cy="1308600"/>
+            <a:off x="-1587240" y="2661480"/>
+            <a:ext cx="5313960" cy="1308600"/>
           </a:xfrm>
           <a:prstGeom prst="rect">
             <a:avLst/>
@@ -11889,7 +11889,7 @@
               </a:tabLst>
             </a:pPr>
             <a:r>
-              <a:rPr b="1" lang="en-US" sz="8000" spc="46" strike="noStrike">
+              <a:rPr b="1" lang="en-US" sz="8000" spc="43" strike="noStrike">
                 <a:solidFill>
                   <a:srgbClr val="d9d9d9"/>
                 </a:solidFill>
@@ -11899,7 +11899,7 @@
               <a:t>Contents</a:t>
             </a:r>
             <a:r>
-              <a:rPr b="1" lang="en-US" sz="4400" spc="46" strike="noStrike">
+              <a:rPr b="1" lang="en-US" sz="4400" spc="43" strike="noStrike">
                 <a:solidFill>
                   <a:srgbClr val="a13f0b"/>
                 </a:solidFill>
@@ -11923,7 +11923,7 @@
         <p:spPr>
           <a:xfrm>
             <a:off x="1116720" y="3752280"/>
-            <a:ext cx="738000" cy="2246040"/>
+            <a:ext cx="737640" cy="2245680"/>
           </a:xfrm>
           <a:prstGeom prst="rect">
             <a:avLst/>
@@ -11940,7 +11940,7 @@
           <a:fontRef idx="minor"/>
         </p:style>
         <p:txBody>
-          <a:bodyPr wrap="none" lIns="45000" rIns="45000" tIns="90000" bIns="90000" anchor="t" vert="vert" rot="5400000">
+          <a:bodyPr wrap="none" lIns="90000" rIns="90000" tIns="45000" bIns="45000" anchor="t" vert="vert" rot="5400000">
             <a:noAutofit/>
           </a:bodyPr>
           <a:p>
@@ -11954,7 +11954,7 @@
               </a:tabLst>
             </a:pPr>
             <a:r>
-              <a:rPr b="1" lang="zh-CN" sz="3600" spc="596" strike="noStrike">
+              <a:rPr b="1" lang="zh-CN" sz="3600" spc="593" strike="noStrike">
                 <a:solidFill>
                   <a:srgbClr val="006c39"/>
                 </a:solidFill>
@@ -11978,7 +11978,7 @@
         <p:spPr>
           <a:xfrm>
             <a:off x="9534240" y="6600960"/>
-            <a:ext cx="2494080" cy="241920"/>
+            <a:ext cx="2493720" cy="241920"/>
           </a:xfrm>
           <a:prstGeom prst="rect">
             <a:avLst/>
@@ -12037,7 +12037,7 @@
         <p:spPr>
           <a:xfrm>
             <a:off x="10041120" y="78480"/>
-            <a:ext cx="2024640" cy="566280"/>
+            <a:ext cx="2024280" cy="565920"/>
           </a:xfrm>
           <a:prstGeom prst="rect">
             <a:avLst/>
@@ -12055,8 +12055,8 @@
         </p:nvSpPr>
         <p:spPr>
           <a:xfrm flipH="1">
-            <a:off x="-1353240" y="0"/>
-            <a:ext cx="13543920" cy="1056600"/>
+            <a:off x="-1353960" y="0"/>
+            <a:ext cx="13543560" cy="1056240"/>
           </a:xfrm>
           <a:custGeom>
             <a:avLst/>
@@ -12109,7 +12109,7 @@
                 <a:srgbClr val="00512b"/>
               </a:gs>
             </a:gsLst>
-            <a:lin ang="0"/>
+            <a:lin ang="10800000"/>
           </a:gradFill>
           <a:ln>
             <a:noFill/>
@@ -12143,7 +12143,7 @@
         <p:spPr>
           <a:xfrm>
             <a:off x="9793440" y="249840"/>
-            <a:ext cx="2024640" cy="566280"/>
+            <a:ext cx="2024280" cy="565920"/>
           </a:xfrm>
           <a:prstGeom prst="rect">
             <a:avLst/>
@@ -12162,7 +12162,7 @@
         <p:spPr>
           <a:xfrm>
             <a:off x="0" y="6188040"/>
-            <a:ext cx="12191400" cy="669240"/>
+            <a:ext cx="12191040" cy="668880"/>
           </a:xfrm>
           <a:prstGeom prst="rect">
             <a:avLst/>
@@ -12209,9 +12209,9 @@
         <p:grpSpPr>
           <a:xfrm>
             <a:off x="587160" y="6381720"/>
-            <a:ext cx="2478960" cy="304200"/>
+            <a:ext cx="2478600" cy="303840"/>
             <a:chOff x="587160" y="6381720"/>
-            <a:chExt cx="2478960" cy="304200"/>
+            <a:chExt cx="2478600" cy="303840"/>
           </a:xfrm>
         </p:grpSpPr>
         <p:grpSp>
@@ -12223,9 +12223,9 @@
           <p:grpSpPr>
             <a:xfrm>
               <a:off x="2014200" y="6385320"/>
-              <a:ext cx="1051920" cy="297720"/>
+              <a:ext cx="1051560" cy="297360"/>
               <a:chOff x="2014200" y="6385320"/>
-              <a:chExt cx="1051920" cy="297720"/>
+              <a:chExt cx="1051560" cy="297360"/>
             </a:xfrm>
           </p:grpSpPr>
           <p:sp>
@@ -12237,7 +12237,7 @@
             <p:spPr>
               <a:xfrm>
                 <a:off x="2595600" y="6404040"/>
-                <a:ext cx="234360" cy="264600"/>
+                <a:ext cx="234000" cy="264240"/>
               </a:xfrm>
               <a:custGeom>
                 <a:avLst/>
@@ -12721,7 +12721,7 @@
             <p:spPr>
               <a:xfrm>
                 <a:off x="2931480" y="6444720"/>
-                <a:ext cx="134640" cy="203040"/>
+                <a:ext cx="134280" cy="202680"/>
               </a:xfrm>
               <a:custGeom>
                 <a:avLst/>
@@ -12855,9 +12855,9 @@
             <p:grpSpPr>
               <a:xfrm>
                 <a:off x="2014200" y="6385320"/>
-                <a:ext cx="240120" cy="297720"/>
+                <a:ext cx="239760" cy="297360"/>
                 <a:chOff x="2014200" y="6385320"/>
-                <a:chExt cx="240120" cy="297720"/>
+                <a:chExt cx="239760" cy="297360"/>
               </a:xfrm>
             </p:grpSpPr>
             <p:sp>
@@ -12869,7 +12869,7 @@
               <p:spPr>
                 <a:xfrm>
                   <a:off x="2014200" y="6385320"/>
-                  <a:ext cx="240120" cy="195480"/>
+                  <a:ext cx="239760" cy="195120"/>
                 </a:xfrm>
                 <a:custGeom>
                   <a:avLst/>
@@ -13128,7 +13128,7 @@
               <p:spPr>
                 <a:xfrm>
                   <a:off x="2065320" y="6504480"/>
-                  <a:ext cx="149400" cy="178560"/>
+                  <a:ext cx="149040" cy="178200"/>
                 </a:xfrm>
                 <a:custGeom>
                   <a:avLst/>
@@ -13323,9 +13323,9 @@
             <p:grpSpPr>
               <a:xfrm>
                 <a:off x="2349720" y="6467040"/>
-                <a:ext cx="145080" cy="155160"/>
+                <a:ext cx="144720" cy="154800"/>
                 <a:chOff x="2349720" y="6467040"/>
-                <a:chExt cx="145080" cy="155160"/>
+                <a:chExt cx="144720" cy="154800"/>
               </a:xfrm>
             </p:grpSpPr>
             <p:sp>
@@ -13337,7 +13337,7 @@
               <p:spPr>
                 <a:xfrm>
                   <a:off x="2349720" y="6501600"/>
-                  <a:ext cx="66600" cy="107280"/>
+                  <a:ext cx="66240" cy="106920"/>
                 </a:xfrm>
                 <a:custGeom>
                   <a:avLst/>
@@ -13441,7 +13441,7 @@
               <p:spPr>
                 <a:xfrm>
                   <a:off x="2422080" y="6470640"/>
-                  <a:ext cx="72720" cy="151560"/>
+                  <a:ext cx="72360" cy="151200"/>
                 </a:xfrm>
                 <a:custGeom>
                   <a:avLst/>
@@ -13570,7 +13570,7 @@
               <p:spPr>
                 <a:xfrm>
                   <a:off x="2387880" y="6467040"/>
-                  <a:ext cx="47520" cy="27360"/>
+                  <a:ext cx="47160" cy="27000"/>
                 </a:xfrm>
                 <a:custGeom>
                   <a:avLst/>
@@ -13636,9 +13636,9 @@
           <p:grpSpPr>
             <a:xfrm>
               <a:off x="587160" y="6381720"/>
-              <a:ext cx="1099800" cy="304200"/>
+              <a:ext cx="1099440" cy="303840"/>
               <a:chOff x="587160" y="6381720"/>
-              <a:chExt cx="1099800" cy="304200"/>
+              <a:chExt cx="1099440" cy="303840"/>
             </a:xfrm>
           </p:grpSpPr>
           <p:grpSp>
@@ -13650,9 +13650,9 @@
             <p:grpSpPr>
               <a:xfrm>
                 <a:off x="1171800" y="6431400"/>
-                <a:ext cx="212400" cy="223200"/>
+                <a:ext cx="212040" cy="222840"/>
                 <a:chOff x="1171800" y="6431400"/>
-                <a:chExt cx="212400" cy="223200"/>
+                <a:chExt cx="212040" cy="222840"/>
               </a:xfrm>
             </p:grpSpPr>
             <p:sp>
@@ -13664,7 +13664,7 @@
               <p:spPr>
                 <a:xfrm>
                   <a:off x="1171800" y="6447960"/>
-                  <a:ext cx="110160" cy="187560"/>
+                  <a:ext cx="109800" cy="187200"/>
                 </a:xfrm>
                 <a:custGeom>
                   <a:avLst/>
@@ -13842,7 +13842,7 @@
               <p:spPr>
                 <a:xfrm>
                   <a:off x="1280880" y="6431400"/>
-                  <a:ext cx="103320" cy="223200"/>
+                  <a:ext cx="102960" cy="222840"/>
                 </a:xfrm>
                 <a:custGeom>
                   <a:avLst/>
@@ -14081,9 +14081,9 @@
             <p:grpSpPr>
               <a:xfrm>
                 <a:off x="587160" y="6381720"/>
-                <a:ext cx="240840" cy="304200"/>
+                <a:ext cx="240480" cy="303840"/>
                 <a:chOff x="587160" y="6381720"/>
-                <a:chExt cx="240840" cy="304200"/>
+                <a:chExt cx="240480" cy="303840"/>
               </a:xfrm>
             </p:grpSpPr>
             <p:sp>
@@ -14095,7 +14095,7 @@
               <p:spPr>
                 <a:xfrm>
                   <a:off x="587160" y="6381720"/>
-                  <a:ext cx="240840" cy="287640"/>
+                  <a:ext cx="240480" cy="287280"/>
                 </a:xfrm>
                 <a:custGeom>
                   <a:avLst/>
@@ -14596,7 +14596,7 @@
               <p:spPr>
                 <a:xfrm>
                   <a:off x="653760" y="6606360"/>
-                  <a:ext cx="29160" cy="79560"/>
+                  <a:ext cx="28800" cy="79200"/>
                 </a:xfrm>
                 <a:custGeom>
                   <a:avLst/>
@@ -14661,9 +14661,9 @@
             <p:grpSpPr>
               <a:xfrm>
                 <a:off x="914400" y="6468840"/>
-                <a:ext cx="161280" cy="138960"/>
+                <a:ext cx="160920" cy="138600"/>
                 <a:chOff x="914400" y="6468840"/>
-                <a:chExt cx="161280" cy="138960"/>
+                <a:chExt cx="160920" cy="138600"/>
               </a:xfrm>
             </p:grpSpPr>
             <p:sp>
@@ -14675,7 +14675,7 @@
               <p:spPr>
                 <a:xfrm>
                   <a:off x="968760" y="6468840"/>
-                  <a:ext cx="106920" cy="138960"/>
+                  <a:ext cx="106560" cy="138600"/>
                 </a:xfrm>
                 <a:custGeom>
                   <a:avLst/>
@@ -14784,7 +14784,7 @@
               <p:spPr>
                 <a:xfrm>
                   <a:off x="914400" y="6503760"/>
-                  <a:ext cx="53640" cy="102600"/>
+                  <a:ext cx="53280" cy="102240"/>
                 </a:xfrm>
                 <a:custGeom>
                   <a:avLst/>
@@ -14888,7 +14888,7 @@
               <p:spPr>
                 <a:xfrm>
                   <a:off x="946440" y="6470280"/>
-                  <a:ext cx="49680" cy="31320"/>
+                  <a:ext cx="49320" cy="30960"/>
                 </a:xfrm>
                 <a:custGeom>
                   <a:avLst/>
@@ -14958,9 +14958,9 @@
             <p:grpSpPr>
               <a:xfrm>
                 <a:off x="1501920" y="6443640"/>
-                <a:ext cx="185040" cy="184320"/>
+                <a:ext cx="184680" cy="183960"/>
                 <a:chOff x="1501920" y="6443640"/>
-                <a:chExt cx="185040" cy="184320"/>
+                <a:chExt cx="184680" cy="183960"/>
               </a:xfrm>
             </p:grpSpPr>
             <p:sp>
@@ -14972,7 +14972,7 @@
               <p:spPr>
                 <a:xfrm>
                   <a:off x="1557720" y="6443640"/>
-                  <a:ext cx="129240" cy="181080"/>
+                  <a:ext cx="128880" cy="180720"/>
                 </a:xfrm>
                 <a:custGeom>
                   <a:avLst/>
@@ -15280,7 +15280,7 @@
               <p:spPr>
                 <a:xfrm>
                   <a:off x="1501920" y="6453360"/>
-                  <a:ext cx="69120" cy="174600"/>
+                  <a:ext cx="68760" cy="174240"/>
                 </a:xfrm>
                 <a:custGeom>
                   <a:avLst/>
@@ -15740,7 +15740,7 @@
         <p:spPr>
           <a:xfrm>
             <a:off x="11155320" y="6188040"/>
-            <a:ext cx="712440" cy="669240"/>
+            <a:ext cx="712080" cy="668880"/>
           </a:xfrm>
           <a:prstGeom prst="rect">
             <a:avLst/>
@@ -15776,7 +15776,7 @@
         <p:spPr>
           <a:xfrm>
             <a:off x="318600" y="0"/>
-            <a:ext cx="1047960" cy="872280"/>
+            <a:ext cx="1047600" cy="871920"/>
           </a:xfrm>
           <a:prstGeom prst="rect">
             <a:avLst/>
@@ -15814,7 +15814,7 @@
         <p:spPr>
           <a:xfrm>
             <a:off x="318600" y="6188040"/>
-            <a:ext cx="10843560" cy="669240"/>
+            <a:ext cx="10843200" cy="668880"/>
           </a:xfrm>
           <a:prstGeom prst="rect">
             <a:avLst/>
@@ -15850,7 +15850,7 @@
         <p:spPr>
           <a:xfrm>
             <a:off x="11233080" y="6332040"/>
-            <a:ext cx="550080" cy="381960"/>
+            <a:ext cx="549720" cy="381960"/>
           </a:xfrm>
           <a:prstGeom prst="rect">
             <a:avLst/>
@@ -15877,7 +15877,7 @@
               </a:lnSpc>
               <a:buNone/>
             </a:pPr>
-            <a:fld id="{82310BB9-9496-4F6E-9C69-EBA1593CBB81}" type="slidenum">
+            <a:fld id="{7C6D6F9C-BAD2-487E-AF71-CBEF469B7C82}" type="slidenum">
               <a:rPr b="0" lang="en-US" sz="1600" spc="-1" strike="noStrike">
                 <a:solidFill>
                   <a:srgbClr val="f2f2f2"/>
@@ -15902,7 +15902,7 @@
         <p:spPr>
           <a:xfrm>
             <a:off x="1378800" y="-1440"/>
-            <a:ext cx="166320" cy="874080"/>
+            <a:ext cx="165960" cy="873720"/>
           </a:xfrm>
           <a:prstGeom prst="rect">
             <a:avLst/>
@@ -15944,7 +15944,7 @@
         <p:spPr>
           <a:xfrm>
             <a:off x="9837720" y="347400"/>
-            <a:ext cx="1968480" cy="432360"/>
+            <a:ext cx="1968120" cy="432000"/>
           </a:xfrm>
           <a:prstGeom prst="rect">
             <a:avLst/>
@@ -16029,9 +16029,9 @@
         <p:grpSpPr>
           <a:xfrm>
             <a:off x="587160" y="6381720"/>
-            <a:ext cx="2478960" cy="304200"/>
+            <a:ext cx="2478600" cy="303840"/>
             <a:chOff x="587160" y="6381720"/>
-            <a:chExt cx="2478960" cy="304200"/>
+            <a:chExt cx="2478600" cy="303840"/>
           </a:xfrm>
         </p:grpSpPr>
         <p:grpSp>
@@ -16043,9 +16043,9 @@
           <p:grpSpPr>
             <a:xfrm>
               <a:off x="2014200" y="6385320"/>
-              <a:ext cx="1051920" cy="297720"/>
+              <a:ext cx="1051560" cy="297360"/>
               <a:chOff x="2014200" y="6385320"/>
-              <a:chExt cx="1051920" cy="297720"/>
+              <a:chExt cx="1051560" cy="297360"/>
             </a:xfrm>
           </p:grpSpPr>
           <p:sp>
@@ -16057,7 +16057,7 @@
             <p:spPr>
               <a:xfrm>
                 <a:off x="2595600" y="6404040"/>
-                <a:ext cx="234360" cy="264600"/>
+                <a:ext cx="234000" cy="264240"/>
               </a:xfrm>
               <a:custGeom>
                 <a:avLst/>
@@ -16541,7 +16541,7 @@
             <p:spPr>
               <a:xfrm>
                 <a:off x="2931480" y="6444720"/>
-                <a:ext cx="134640" cy="203040"/>
+                <a:ext cx="134280" cy="202680"/>
               </a:xfrm>
               <a:custGeom>
                 <a:avLst/>
@@ -16675,9 +16675,9 @@
             <p:grpSpPr>
               <a:xfrm>
                 <a:off x="2014200" y="6385320"/>
-                <a:ext cx="240120" cy="297720"/>
+                <a:ext cx="239760" cy="297360"/>
                 <a:chOff x="2014200" y="6385320"/>
-                <a:chExt cx="240120" cy="297720"/>
+                <a:chExt cx="239760" cy="297360"/>
               </a:xfrm>
             </p:grpSpPr>
             <p:sp>
@@ -16689,7 +16689,7 @@
               <p:spPr>
                 <a:xfrm>
                   <a:off x="2014200" y="6385320"/>
-                  <a:ext cx="240120" cy="195480"/>
+                  <a:ext cx="239760" cy="195120"/>
                 </a:xfrm>
                 <a:custGeom>
                   <a:avLst/>
@@ -16948,7 +16948,7 @@
               <p:spPr>
                 <a:xfrm>
                   <a:off x="2065320" y="6504480"/>
-                  <a:ext cx="149400" cy="178560"/>
+                  <a:ext cx="149040" cy="178200"/>
                 </a:xfrm>
                 <a:custGeom>
                   <a:avLst/>
@@ -17143,9 +17143,9 @@
             <p:grpSpPr>
               <a:xfrm>
                 <a:off x="2349720" y="6467040"/>
-                <a:ext cx="145080" cy="155160"/>
+                <a:ext cx="144720" cy="154800"/>
                 <a:chOff x="2349720" y="6467040"/>
-                <a:chExt cx="145080" cy="155160"/>
+                <a:chExt cx="144720" cy="154800"/>
               </a:xfrm>
             </p:grpSpPr>
             <p:sp>
@@ -17157,7 +17157,7 @@
               <p:spPr>
                 <a:xfrm>
                   <a:off x="2349720" y="6501600"/>
-                  <a:ext cx="66600" cy="107280"/>
+                  <a:ext cx="66240" cy="106920"/>
                 </a:xfrm>
                 <a:custGeom>
                   <a:avLst/>
@@ -17261,7 +17261,7 @@
               <p:spPr>
                 <a:xfrm>
                   <a:off x="2422080" y="6470640"/>
-                  <a:ext cx="72720" cy="151560"/>
+                  <a:ext cx="72360" cy="151200"/>
                 </a:xfrm>
                 <a:custGeom>
                   <a:avLst/>
@@ -17390,7 +17390,7 @@
               <p:spPr>
                 <a:xfrm>
                   <a:off x="2387880" y="6467040"/>
-                  <a:ext cx="47520" cy="27360"/>
+                  <a:ext cx="47160" cy="27000"/>
                 </a:xfrm>
                 <a:custGeom>
                   <a:avLst/>
@@ -17456,9 +17456,9 @@
           <p:grpSpPr>
             <a:xfrm>
               <a:off x="587160" y="6381720"/>
-              <a:ext cx="1099800" cy="304200"/>
+              <a:ext cx="1099440" cy="303840"/>
               <a:chOff x="587160" y="6381720"/>
-              <a:chExt cx="1099800" cy="304200"/>
+              <a:chExt cx="1099440" cy="303840"/>
             </a:xfrm>
           </p:grpSpPr>
           <p:grpSp>
@@ -17470,9 +17470,9 @@
             <p:grpSpPr>
               <a:xfrm>
                 <a:off x="1171800" y="6431400"/>
-                <a:ext cx="212400" cy="223200"/>
+                <a:ext cx="212040" cy="222840"/>
                 <a:chOff x="1171800" y="6431400"/>
-                <a:chExt cx="212400" cy="223200"/>
+                <a:chExt cx="212040" cy="222840"/>
               </a:xfrm>
             </p:grpSpPr>
             <p:sp>
@@ -17484,7 +17484,7 @@
               <p:spPr>
                 <a:xfrm>
                   <a:off x="1171800" y="6447960"/>
-                  <a:ext cx="110160" cy="187560"/>
+                  <a:ext cx="109800" cy="187200"/>
                 </a:xfrm>
                 <a:custGeom>
                   <a:avLst/>
@@ -17662,7 +17662,7 @@
               <p:spPr>
                 <a:xfrm>
                   <a:off x="1280880" y="6431400"/>
-                  <a:ext cx="103320" cy="223200"/>
+                  <a:ext cx="102960" cy="222840"/>
                 </a:xfrm>
                 <a:custGeom>
                   <a:avLst/>
@@ -17901,9 +17901,9 @@
             <p:grpSpPr>
               <a:xfrm>
                 <a:off x="587160" y="6381720"/>
-                <a:ext cx="240840" cy="304200"/>
+                <a:ext cx="240480" cy="303840"/>
                 <a:chOff x="587160" y="6381720"/>
-                <a:chExt cx="240840" cy="304200"/>
+                <a:chExt cx="240480" cy="303840"/>
               </a:xfrm>
             </p:grpSpPr>
             <p:sp>
@@ -17915,7 +17915,7 @@
               <p:spPr>
                 <a:xfrm>
                   <a:off x="587160" y="6381720"/>
-                  <a:ext cx="240840" cy="287640"/>
+                  <a:ext cx="240480" cy="287280"/>
                 </a:xfrm>
                 <a:custGeom>
                   <a:avLst/>
@@ -18416,7 +18416,7 @@
               <p:spPr>
                 <a:xfrm>
                   <a:off x="653760" y="6606360"/>
-                  <a:ext cx="29160" cy="79560"/>
+                  <a:ext cx="28800" cy="79200"/>
                 </a:xfrm>
                 <a:custGeom>
                   <a:avLst/>
@@ -18481,9 +18481,9 @@
             <p:grpSpPr>
               <a:xfrm>
                 <a:off x="914400" y="6468840"/>
-                <a:ext cx="161280" cy="138960"/>
+                <a:ext cx="160920" cy="138600"/>
                 <a:chOff x="914400" y="6468840"/>
-                <a:chExt cx="161280" cy="138960"/>
+                <a:chExt cx="160920" cy="138600"/>
               </a:xfrm>
             </p:grpSpPr>
             <p:sp>
@@ -18495,7 +18495,7 @@
               <p:spPr>
                 <a:xfrm>
                   <a:off x="968760" y="6468840"/>
-                  <a:ext cx="106920" cy="138960"/>
+                  <a:ext cx="106560" cy="138600"/>
                 </a:xfrm>
                 <a:custGeom>
                   <a:avLst/>
@@ -18604,7 +18604,7 @@
               <p:spPr>
                 <a:xfrm>
                   <a:off x="914400" y="6503760"/>
-                  <a:ext cx="53640" cy="102600"/>
+                  <a:ext cx="53280" cy="102240"/>
                 </a:xfrm>
                 <a:custGeom>
                   <a:avLst/>
@@ -18708,7 +18708,7 @@
               <p:spPr>
                 <a:xfrm>
                   <a:off x="946440" y="6470280"/>
-                  <a:ext cx="49680" cy="31320"/>
+                  <a:ext cx="49320" cy="30960"/>
                 </a:xfrm>
                 <a:custGeom>
                   <a:avLst/>
@@ -18778,9 +18778,9 @@
             <p:grpSpPr>
               <a:xfrm>
                 <a:off x="1501920" y="6443640"/>
-                <a:ext cx="185040" cy="184320"/>
+                <a:ext cx="184680" cy="183960"/>
                 <a:chOff x="1501920" y="6443640"/>
-                <a:chExt cx="185040" cy="184320"/>
+                <a:chExt cx="184680" cy="183960"/>
               </a:xfrm>
             </p:grpSpPr>
             <p:sp>
@@ -18792,7 +18792,7 @@
               <p:spPr>
                 <a:xfrm>
                   <a:off x="1557720" y="6443640"/>
-                  <a:ext cx="129240" cy="181080"/>
+                  <a:ext cx="128880" cy="180720"/>
                 </a:xfrm>
                 <a:custGeom>
                   <a:avLst/>
@@ -19100,7 +19100,7 @@
               <p:spPr>
                 <a:xfrm>
                   <a:off x="1501920" y="6453360"/>
-                  <a:ext cx="69120" cy="174600"/>
+                  <a:ext cx="68760" cy="174240"/>
                 </a:xfrm>
                 <a:custGeom>
                   <a:avLst/>
@@ -19527,7 +19527,7 @@
         <p:spPr>
           <a:xfrm>
             <a:off x="0" y="0"/>
-            <a:ext cx="12191400" cy="6857280"/>
+            <a:ext cx="12191040" cy="6856920"/>
           </a:xfrm>
           <a:prstGeom prst="rect">
             <a:avLst/>
@@ -19563,7 +19563,7 @@
         <p:spPr>
           <a:xfrm>
             <a:off x="0" y="0"/>
-            <a:ext cx="12191400" cy="6857280"/>
+            <a:ext cx="12191040" cy="6856920"/>
           </a:xfrm>
           <a:prstGeom prst="rect">
             <a:avLst/>
@@ -19615,8 +19615,8 @@
         </p:nvSpPr>
         <p:spPr>
           <a:xfrm flipH="1" flipV="1">
-            <a:off x="4441320" y="3758400"/>
-            <a:ext cx="3306960" cy="2335320"/>
+            <a:off x="4440600" y="3758400"/>
+            <a:ext cx="3306600" cy="2334960"/>
           </a:xfrm>
           <a:custGeom>
             <a:avLst/>
@@ -19686,7 +19686,7 @@
         <p:spPr>
           <a:xfrm>
             <a:off x="4442040" y="1015200"/>
-            <a:ext cx="3306960" cy="1427760"/>
+            <a:ext cx="3306600" cy="1427400"/>
           </a:xfrm>
           <a:custGeom>
             <a:avLst/>
@@ -19741,7 +19741,7 @@
         <p:spPr>
           <a:xfrm flipV="1">
             <a:off x="6007320" y="3831480"/>
-            <a:ext cx="176760" cy="152280"/>
+            <a:ext cx="176400" cy="151920"/>
           </a:xfrm>
           <a:prstGeom prst="triangle">
             <a:avLst>
@@ -19785,7 +19785,7 @@
         <p:spPr>
           <a:xfrm>
             <a:off x="4974840" y="1401120"/>
-            <a:ext cx="2255760" cy="630720"/>
+            <a:ext cx="2255400" cy="630360"/>
           </a:xfrm>
           <a:prstGeom prst="rect">
             <a:avLst/>
@@ -20071,7 +20071,7 @@
         <p:spPr>
           <a:xfrm>
             <a:off x="671400" y="2894400"/>
-            <a:ext cx="7014240" cy="644400"/>
+            <a:ext cx="7013880" cy="644040"/>
           </a:xfrm>
           <a:prstGeom prst="rect">
             <a:avLst/>
@@ -20093,7 +20093,7 @@
               <a:buNone/>
             </a:pPr>
             <a:r>
-              <a:rPr b="1" lang="en-US" sz="3600" spc="66" strike="noStrike">
+              <a:rPr b="1" lang="en-US" sz="3600" spc="63" strike="noStrike">
                 <a:solidFill>
                   <a:srgbClr val="000000"/>
                 </a:solidFill>
@@ -20103,7 +20103,7 @@
               <a:t>rcore</a:t>
             </a:r>
             <a:r>
-              <a:rPr b="1" lang="zh-CN" sz="3600" spc="66" strike="noStrike">
+              <a:rPr b="1" lang="zh-CN" sz="3600" spc="63" strike="noStrike">
                 <a:solidFill>
                   <a:srgbClr val="000000"/>
                 </a:solidFill>
@@ -20113,7 +20113,7 @@
               <a:t>内核模块化</a:t>
             </a:r>
             <a:r>
-              <a:rPr b="1" lang="zh-CN" sz="3600" spc="94" strike="noStrike">
+              <a:rPr b="1" lang="zh-CN" sz="3600" spc="92" strike="noStrike">
                 <a:solidFill>
                   <a:srgbClr val="000000"/>
                 </a:solidFill>
@@ -20141,7 +20141,7 @@
         <p:spPr>
           <a:xfrm>
             <a:off x="671400" y="4095000"/>
-            <a:ext cx="6220440" cy="370080"/>
+            <a:ext cx="6220080" cy="369720"/>
           </a:xfrm>
           <a:prstGeom prst="rect">
             <a:avLst/>
@@ -20169,7 +20169,7 @@
               </a:tabLst>
             </a:pPr>
             <a:r>
-              <a:rPr b="0" lang="zh-CN" sz="1400" spc="94" strike="noStrike">
+              <a:rPr b="0" lang="zh-CN" sz="1400" spc="92" strike="noStrike">
                 <a:solidFill>
                   <a:srgbClr val="262626"/>
                 </a:solidFill>
@@ -20178,15 +20178,15 @@
               </a:rPr>
               <a:t>答辩人：石文龙　　　导　师：陆慧梅　　时间：</a:t>
             </a:r>
-            <a:fld id="{B5A78F3D-A90B-4E22-82E1-44CB793E5901}" type="datetime1">
-              <a:rPr b="0" lang="en-US" sz="1400" spc="94" strike="noStrike">
+            <a:fld id="{7EE6E218-FEBB-44D4-8C1B-0354147B15B7}" type="datetime1">
+              <a:rPr b="0" lang="en-US" sz="1400" spc="92" strike="noStrike">
                 <a:solidFill>
                   <a:srgbClr val="262626"/>
                 </a:solidFill>
                 <a:latin typeface="微软雅黑"/>
                 <a:ea typeface="微软雅黑"/>
               </a:rPr>
-              <a:t>2023/4/5</a:t>
+              <a:t>2023/4/6</a:t>
             </a:fld>
             <a:endParaRPr b="0" lang="en-US" sz="1400" spc="-1" strike="noStrike">
               <a:latin typeface="Arial"/>
@@ -20197,7 +20197,7 @@
     </p:spTree>
   </p:cSld>
   <p:transition spd="med">
-    <p:pull dir="l"/>
+    <p:pull dir="r"/>
   </p:transition>
 </p:sld>
 </file>
@@ -20228,7 +20228,7 @@
         <p:spPr>
           <a:xfrm>
             <a:off x="1833840" y="2336760"/>
-            <a:ext cx="8523720" cy="1430280"/>
+            <a:ext cx="8523360" cy="1430280"/>
           </a:xfrm>
           <a:prstGeom prst="rect">
             <a:avLst/>
@@ -20301,7 +20301,7 @@
         <p:spPr>
           <a:xfrm>
             <a:off x="5052600" y="4089240"/>
-            <a:ext cx="2099880" cy="564120"/>
+            <a:ext cx="2099520" cy="564120"/>
           </a:xfrm>
           <a:prstGeom prst="rect">
             <a:avLst/>
@@ -20329,7 +20329,7 @@
               <a:buNone/>
             </a:pPr>
             <a:r>
-              <a:rPr b="0" lang="zh-CN" sz="1200" spc="94" strike="noStrike">
+              <a:rPr b="0" lang="zh-CN" sz="1200" spc="92" strike="noStrike">
                 <a:solidFill>
                   <a:srgbClr val="ffffff"/>
                 </a:solidFill>
@@ -20350,7 +20350,7 @@
               <a:buNone/>
             </a:pPr>
             <a:r>
-              <a:rPr b="0" lang="zh-CN" sz="1200" spc="94" strike="noStrike">
+              <a:rPr b="0" lang="zh-CN" sz="1200" spc="92" strike="noStrike">
                 <a:solidFill>
                   <a:srgbClr val="ffffff"/>
                 </a:solidFill>
@@ -20368,7 +20368,7 @@
     </p:spTree>
   </p:cSld>
   <p:transition spd="med">
-    <p:pull dir="l"/>
+    <p:pull dir="r"/>
   </p:transition>
 </p:sld>
 </file>
@@ -20399,9 +20399,9 @@
         <p:grpSpPr>
           <a:xfrm>
             <a:off x="5274000" y="1028880"/>
-            <a:ext cx="3018960" cy="1253880"/>
+            <a:ext cx="3014280" cy="1253880"/>
             <a:chOff x="5274000" y="1028880"/>
-            <a:chExt cx="3018960" cy="1253880"/>
+            <a:chExt cx="3014280" cy="1253880"/>
           </a:xfrm>
         </p:grpSpPr>
         <p:sp>
@@ -20413,7 +20413,7 @@
           <p:spPr>
             <a:xfrm>
               <a:off x="5274000" y="1028880"/>
-              <a:ext cx="880200" cy="759960"/>
+              <a:ext cx="879840" cy="759960"/>
             </a:xfrm>
             <a:prstGeom prst="rect">
               <a:avLst/>
@@ -20441,7 +20441,7 @@
                 <a:buNone/>
               </a:pPr>
               <a:r>
-                <a:rPr b="1" lang="en-US" sz="4400" spc="296" strike="noStrike">
+                <a:rPr b="1" lang="en-US" sz="4400" spc="293" strike="noStrike">
                   <a:solidFill>
                     <a:srgbClr val="006c39"/>
                   </a:solidFill>
@@ -20464,8 +20464,8 @@
           </p:nvSpPr>
           <p:spPr>
             <a:xfrm>
-              <a:off x="5300640" y="1465920"/>
-              <a:ext cx="1714680" cy="516240"/>
+              <a:off x="5301000" y="1465920"/>
+              <a:ext cx="1713600" cy="516240"/>
             </a:xfrm>
             <a:prstGeom prst="rect">
               <a:avLst/>
@@ -20493,7 +20493,7 @@
                 <a:buNone/>
               </a:pPr>
               <a:r>
-                <a:rPr b="1" lang="zh-CN" sz="2800" spc="296" strike="noStrike">
+                <a:rPr b="1" lang="zh-CN" sz="2800" spc="293" strike="noStrike">
                   <a:solidFill>
                     <a:srgbClr val="000000"/>
                   </a:solidFill>
@@ -20516,8 +20516,8 @@
           </p:nvSpPr>
           <p:spPr>
             <a:xfrm>
-              <a:off x="5362920" y="1949760"/>
-              <a:ext cx="2930040" cy="333000"/>
+              <a:off x="5366880" y="1949760"/>
+              <a:ext cx="2921400" cy="333000"/>
             </a:xfrm>
             <a:prstGeom prst="rect">
               <a:avLst/>
@@ -20545,7 +20545,7 @@
                 <a:buNone/>
               </a:pPr>
               <a:r>
-                <a:rPr b="0" lang="en-US" sz="1600" spc="94" strike="noStrike">
+                <a:rPr b="0" lang="en-US" sz="1600" spc="92" strike="noStrike">
                   <a:solidFill>
                     <a:srgbClr val="bfbfbf"/>
                   </a:solidFill>
@@ -20570,9 +20570,9 @@
         <p:grpSpPr>
           <a:xfrm>
             <a:off x="8401680" y="1028880"/>
-            <a:ext cx="1929960" cy="1253880"/>
+            <a:ext cx="1927080" cy="1253880"/>
             <a:chOff x="8401680" y="1028880"/>
-            <a:chExt cx="1929960" cy="1253880"/>
+            <a:chExt cx="1927080" cy="1253880"/>
           </a:xfrm>
         </p:grpSpPr>
         <p:sp>
@@ -20584,7 +20584,7 @@
           <p:spPr>
             <a:xfrm>
               <a:off x="8401680" y="1028880"/>
-              <a:ext cx="880200" cy="759960"/>
+              <a:ext cx="879840" cy="759960"/>
             </a:xfrm>
             <a:prstGeom prst="rect">
               <a:avLst/>
@@ -20612,7 +20612,7 @@
                 <a:buNone/>
               </a:pPr>
               <a:r>
-                <a:rPr b="1" lang="en-US" sz="4400" spc="296" strike="noStrike">
+                <a:rPr b="1" lang="en-US" sz="4400" spc="293" strike="noStrike">
                   <a:solidFill>
                     <a:srgbClr val="006c39"/>
                   </a:solidFill>
@@ -20635,8 +20635,8 @@
           </p:nvSpPr>
           <p:spPr>
             <a:xfrm>
-              <a:off x="8428320" y="1465920"/>
-              <a:ext cx="1714680" cy="516240"/>
+              <a:off x="8428680" y="1465920"/>
+              <a:ext cx="1713600" cy="516240"/>
             </a:xfrm>
             <a:prstGeom prst="rect">
               <a:avLst/>
@@ -20664,7 +20664,7 @@
                 <a:buNone/>
               </a:pPr>
               <a:r>
-                <a:rPr b="1" lang="zh-CN" sz="2800" spc="296" strike="noStrike">
+                <a:rPr b="1" lang="zh-CN" sz="2800" spc="293" strike="noStrike">
                   <a:solidFill>
                     <a:srgbClr val="000000"/>
                   </a:solidFill>
@@ -20687,8 +20687,8 @@
           </p:nvSpPr>
           <p:spPr>
             <a:xfrm>
-              <a:off x="8427600" y="1949760"/>
-              <a:ext cx="1904040" cy="333000"/>
+              <a:off x="8430120" y="1949760"/>
+              <a:ext cx="1898640" cy="333000"/>
             </a:xfrm>
             <a:prstGeom prst="rect">
               <a:avLst/>
@@ -20716,7 +20716,7 @@
                 <a:buNone/>
               </a:pPr>
               <a:r>
-                <a:rPr b="0" lang="en-US" sz="1600" spc="94" strike="noStrike">
+                <a:rPr b="0" lang="en-US" sz="1600" spc="92" strike="noStrike">
                   <a:solidFill>
                     <a:srgbClr val="bfbfbf"/>
                   </a:solidFill>
@@ -20741,9 +20741,9 @@
         <p:grpSpPr>
           <a:xfrm>
             <a:off x="5274000" y="2719440"/>
-            <a:ext cx="2136600" cy="1223280"/>
+            <a:ext cx="2135520" cy="1223280"/>
             <a:chOff x="5274000" y="2719440"/>
-            <a:chExt cx="2136600" cy="1223280"/>
+            <a:chExt cx="2135520" cy="1223280"/>
           </a:xfrm>
         </p:grpSpPr>
         <p:sp>
@@ -20755,7 +20755,7 @@
           <p:spPr>
             <a:xfrm>
               <a:off x="5274000" y="2719440"/>
-              <a:ext cx="880200" cy="759960"/>
+              <a:ext cx="879840" cy="759960"/>
             </a:xfrm>
             <a:prstGeom prst="rect">
               <a:avLst/>
@@ -20783,7 +20783,7 @@
                 <a:buNone/>
               </a:pPr>
               <a:r>
-                <a:rPr b="1" lang="en-US" sz="4400" spc="296" strike="noStrike">
+                <a:rPr b="1" lang="en-US" sz="4400" spc="293" strike="noStrike">
                   <a:solidFill>
                     <a:srgbClr val="006c39"/>
                   </a:solidFill>
@@ -20806,8 +20806,8 @@
           </p:nvSpPr>
           <p:spPr>
             <a:xfrm>
-              <a:off x="5302800" y="3126240"/>
-              <a:ext cx="2107800" cy="516240"/>
+              <a:off x="5303160" y="3126240"/>
+              <a:ext cx="2106360" cy="516240"/>
             </a:xfrm>
             <a:prstGeom prst="rect">
               <a:avLst/>
@@ -20835,7 +20835,7 @@
                 <a:buNone/>
               </a:pPr>
               <a:r>
-                <a:rPr b="1" lang="zh-CN" sz="2800" spc="296" strike="noStrike">
+                <a:rPr b="1" lang="zh-CN" sz="2800" spc="293" strike="noStrike">
                   <a:solidFill>
                     <a:srgbClr val="000000"/>
                   </a:solidFill>
@@ -20858,8 +20858,8 @@
           </p:nvSpPr>
           <p:spPr>
             <a:xfrm>
-              <a:off x="5297400" y="3609720"/>
-              <a:ext cx="1833840" cy="333000"/>
+              <a:off x="5299560" y="3609720"/>
+              <a:ext cx="1828800" cy="333000"/>
             </a:xfrm>
             <a:prstGeom prst="rect">
               <a:avLst/>
@@ -20887,7 +20887,7 @@
                 <a:buNone/>
               </a:pPr>
               <a:r>
-                <a:rPr b="0" lang="en-US" sz="1600" spc="94" strike="noStrike">
+                <a:rPr b="0" lang="en-US" sz="1600" spc="92" strike="noStrike">
                   <a:solidFill>
                     <a:srgbClr val="bfbfbf"/>
                   </a:solidFill>
@@ -20912,9 +20912,9 @@
         <p:grpSpPr>
           <a:xfrm>
             <a:off x="8401680" y="2719440"/>
-            <a:ext cx="2275200" cy="1223280"/>
+            <a:ext cx="2271600" cy="1223280"/>
             <a:chOff x="8401680" y="2719440"/>
-            <a:chExt cx="2275200" cy="1223280"/>
+            <a:chExt cx="2271600" cy="1223280"/>
           </a:xfrm>
         </p:grpSpPr>
         <p:sp>
@@ -20926,7 +20926,7 @@
           <p:spPr>
             <a:xfrm>
               <a:off x="8401680" y="2719440"/>
-              <a:ext cx="880200" cy="759960"/>
+              <a:ext cx="879840" cy="759960"/>
             </a:xfrm>
             <a:prstGeom prst="rect">
               <a:avLst/>
@@ -20954,7 +20954,7 @@
                 <a:buNone/>
               </a:pPr>
               <a:r>
-                <a:rPr b="1" lang="en-US" sz="4400" spc="296" strike="noStrike">
+                <a:rPr b="1" lang="en-US" sz="4400" spc="293" strike="noStrike">
                   <a:solidFill>
                     <a:srgbClr val="006c39"/>
                   </a:solidFill>
@@ -20977,8 +20977,8 @@
           </p:nvSpPr>
           <p:spPr>
             <a:xfrm>
-              <a:off x="8428320" y="3126240"/>
-              <a:ext cx="1714680" cy="516240"/>
+              <a:off x="8428680" y="3126240"/>
+              <a:ext cx="1713600" cy="516240"/>
             </a:xfrm>
             <a:prstGeom prst="rect">
               <a:avLst/>
@@ -21006,7 +21006,7 @@
                 <a:buNone/>
               </a:pPr>
               <a:r>
-                <a:rPr b="1" lang="zh-CN" sz="2800" spc="296" strike="noStrike">
+                <a:rPr b="1" lang="zh-CN" sz="2800" spc="293" strike="noStrike">
                   <a:solidFill>
                     <a:srgbClr val="000000"/>
                   </a:solidFill>
@@ -21029,8 +21029,8 @@
           </p:nvSpPr>
           <p:spPr>
             <a:xfrm>
-              <a:off x="8433000" y="3609720"/>
-              <a:ext cx="2243880" cy="333000"/>
+              <a:off x="8436240" y="3609720"/>
+              <a:ext cx="2237040" cy="333000"/>
             </a:xfrm>
             <a:prstGeom prst="rect">
               <a:avLst/>
@@ -21058,7 +21058,7 @@
                 <a:buNone/>
               </a:pPr>
               <a:r>
-                <a:rPr b="0" lang="en-US" sz="1600" spc="94" strike="noStrike">
+                <a:rPr b="0" lang="en-US" sz="1600" spc="92" strike="noStrike">
                   <a:solidFill>
                     <a:srgbClr val="bfbfbf"/>
                   </a:solidFill>
@@ -21083,9 +21083,9 @@
         <p:grpSpPr>
           <a:xfrm>
             <a:off x="10467360" y="5850000"/>
-            <a:ext cx="1051920" cy="107280"/>
+            <a:ext cx="1051560" cy="106920"/>
             <a:chOff x="10467360" y="5850000"/>
-            <a:chExt cx="1051920" cy="107280"/>
+            <a:chExt cx="1051560" cy="106920"/>
           </a:xfrm>
         </p:grpSpPr>
         <p:sp>
@@ -21097,7 +21097,7 @@
           <p:spPr>
             <a:xfrm>
               <a:off x="10467360" y="5850000"/>
-              <a:ext cx="107280" cy="107280"/>
+              <a:ext cx="106920" cy="106920"/>
             </a:xfrm>
             <a:prstGeom prst="ellipse">
               <a:avLst/>
@@ -21135,7 +21135,7 @@
           <p:spPr>
             <a:xfrm>
               <a:off x="10703520" y="5850000"/>
-              <a:ext cx="107280" cy="107280"/>
+              <a:ext cx="106920" cy="106920"/>
             </a:xfrm>
             <a:prstGeom prst="ellipse">
               <a:avLst/>
@@ -21173,7 +21173,7 @@
           <p:spPr>
             <a:xfrm>
               <a:off x="10939680" y="5850000"/>
-              <a:ext cx="107280" cy="107280"/>
+              <a:ext cx="106920" cy="106920"/>
             </a:xfrm>
             <a:prstGeom prst="ellipse">
               <a:avLst/>
@@ -21211,7 +21211,7 @@
           <p:spPr>
             <a:xfrm>
               <a:off x="11175840" y="5850000"/>
-              <a:ext cx="107280" cy="107280"/>
+              <a:ext cx="106920" cy="106920"/>
             </a:xfrm>
             <a:prstGeom prst="ellipse">
               <a:avLst/>
@@ -21249,7 +21249,7 @@
           <p:spPr>
             <a:xfrm>
               <a:off x="11412000" y="5850000"/>
-              <a:ext cx="107280" cy="107280"/>
+              <a:ext cx="106920" cy="106920"/>
             </a:xfrm>
             <a:prstGeom prst="ellipse">
               <a:avLst/>
@@ -21282,7 +21282,7 @@
     </p:spTree>
   </p:cSld>
   <p:transition spd="med">
-    <p:pull dir="l"/>
+    <p:pull dir="r"/>
   </p:transition>
 </p:sld>
 </file>
@@ -21317,7 +21317,7 @@
         <p:spPr>
           <a:xfrm>
             <a:off x="1606680" y="345240"/>
-            <a:ext cx="8643240" cy="477360"/>
+            <a:ext cx="8642880" cy="477000"/>
           </a:xfrm>
           <a:prstGeom prst="rect">
             <a:avLst/>
@@ -21363,7 +21363,7 @@
         <p:spPr>
           <a:xfrm>
             <a:off x="357480" y="235080"/>
-            <a:ext cx="969120" cy="638280"/>
+            <a:ext cx="968760" cy="638280"/>
           </a:xfrm>
           <a:prstGeom prst="rect">
             <a:avLst/>
@@ -21418,7 +21418,7 @@
         <p:spPr>
           <a:xfrm>
             <a:off x="1539720" y="1700280"/>
-            <a:ext cx="9099360" cy="3610080"/>
+            <a:ext cx="9099000" cy="3609720"/>
           </a:xfrm>
           <a:prstGeom prst="rect">
             <a:avLst/>
@@ -21452,7 +21452,7 @@
               </a:tabLst>
             </a:pPr>
             <a:r>
-              <a:rPr b="0" lang="en-US" sz="2850" spc="296" strike="noStrike">
+              <a:rPr b="0" lang="en-US" sz="2850" spc="293" strike="noStrike">
                 <a:solidFill>
                   <a:srgbClr val="000000"/>
                 </a:solidFill>
@@ -21462,7 +21462,7 @@
               <a:t>	</a:t>
             </a:r>
             <a:r>
-              <a:rPr b="0" lang="zh-CN" sz="2850" spc="296" strike="noStrike">
+              <a:rPr b="0" lang="zh-CN" sz="2850" spc="293" strike="noStrike">
                 <a:solidFill>
                   <a:srgbClr val="000000"/>
                 </a:solidFill>
@@ -21472,7 +21472,7 @@
               <a:t>在实验室工作的基础上，实现对于应用于</a:t>
             </a:r>
             <a:r>
-              <a:rPr b="1" lang="en-US" sz="2850" spc="296" strike="noStrike">
+              <a:rPr b="1" lang="en-US" sz="2850" spc="293" strike="noStrike">
                 <a:solidFill>
                   <a:srgbClr val="000000"/>
                 </a:solidFill>
@@ -21482,7 +21482,7 @@
               <a:t>Rust</a:t>
             </a:r>
             <a:r>
-              <a:rPr b="1" lang="zh-CN" sz="2850" spc="296" strike="noStrike">
+              <a:rPr b="1" lang="zh-CN" sz="2850" spc="293" strike="noStrike">
                 <a:solidFill>
                   <a:srgbClr val="000000"/>
                 </a:solidFill>
@@ -21492,7 +21492,7 @@
               <a:t>语言</a:t>
             </a:r>
             <a:r>
-              <a:rPr b="0" lang="zh-CN" sz="2850" spc="296" strike="noStrike">
+              <a:rPr b="0" lang="zh-CN" sz="2850" spc="293" strike="noStrike">
                 <a:solidFill>
                   <a:srgbClr val="000000"/>
                 </a:solidFill>
@@ -21502,7 +21502,7 @@
               <a:t>的</a:t>
             </a:r>
             <a:r>
-              <a:rPr b="1" lang="en-US" sz="2850" spc="296" strike="noStrike">
+              <a:rPr b="1" lang="en-US" sz="2850" spc="293" strike="noStrike">
                 <a:solidFill>
                   <a:srgbClr val="000000"/>
                 </a:solidFill>
@@ -21512,7 +21512,7 @@
               <a:t>rcore</a:t>
             </a:r>
             <a:r>
-              <a:rPr b="1" lang="zh-CN" sz="2850" spc="296" strike="noStrike">
+              <a:rPr b="1" lang="zh-CN" sz="2850" spc="293" strike="noStrike">
                 <a:solidFill>
                   <a:srgbClr val="000000"/>
                 </a:solidFill>
@@ -21522,7 +21522,7 @@
               <a:t>内核模块化</a:t>
             </a:r>
             <a:r>
-              <a:rPr b="0" lang="zh-CN" sz="2850" spc="296" strike="noStrike">
+              <a:rPr b="0" lang="zh-CN" sz="2850" spc="293" strike="noStrike">
                 <a:solidFill>
                   <a:srgbClr val="000000"/>
                 </a:solidFill>
@@ -21532,7 +21532,7 @@
               <a:t>的 </a:t>
             </a:r>
             <a:r>
-              <a:rPr b="1" lang="zh-CN" sz="2850" spc="296" strike="noStrike">
+              <a:rPr b="1" lang="zh-CN" sz="2850" spc="293" strike="noStrike">
                 <a:solidFill>
                   <a:srgbClr val="000000"/>
                 </a:solidFill>
@@ -21542,7 +21542,7 @@
               <a:t>改进与优化</a:t>
             </a:r>
             <a:r>
-              <a:rPr b="0" lang="zh-CN" sz="2850" spc="296" strike="noStrike">
+              <a:rPr b="0" lang="zh-CN" sz="2850" spc="293" strike="noStrike">
                 <a:solidFill>
                   <a:srgbClr val="000000"/>
                 </a:solidFill>
@@ -21566,7 +21566,7 @@
         <p:spPr>
           <a:xfrm>
             <a:off x="1059120" y="1459800"/>
-            <a:ext cx="479880" cy="479880"/>
+            <a:ext cx="479520" cy="479520"/>
           </a:xfrm>
           <a:prstGeom prst="halfFrame">
             <a:avLst>
@@ -21597,7 +21597,7 @@
         <p:spPr>
           <a:xfrm flipH="1" flipV="1">
             <a:off x="10639080" y="5185080"/>
-            <a:ext cx="479880" cy="479880"/>
+            <a:ext cx="479520" cy="479520"/>
           </a:xfrm>
           <a:prstGeom prst="halfFrame">
             <a:avLst>
@@ -21622,7 +21622,7 @@
     </p:spTree>
   </p:cSld>
   <p:transition spd="med">
-    <p:pull dir="l"/>
+    <p:pull dir="r"/>
   </p:transition>
 </p:sld>
 </file>
@@ -21657,7 +21657,7 @@
         <p:spPr>
           <a:xfrm>
             <a:off x="1606680" y="345240"/>
-            <a:ext cx="8643240" cy="477360"/>
+            <a:ext cx="8642880" cy="477000"/>
           </a:xfrm>
           <a:prstGeom prst="rect">
             <a:avLst/>
@@ -21703,7 +21703,7 @@
         <p:spPr>
           <a:xfrm>
             <a:off x="1606680" y="2217240"/>
-            <a:ext cx="9753480" cy="1900440"/>
+            <a:ext cx="9753120" cy="1900440"/>
           </a:xfrm>
           <a:prstGeom prst="rect">
             <a:avLst/>
@@ -21847,7 +21847,7 @@
         <p:spPr>
           <a:xfrm>
             <a:off x="357480" y="235080"/>
-            <a:ext cx="969120" cy="638280"/>
+            <a:ext cx="968760" cy="638280"/>
           </a:xfrm>
           <a:prstGeom prst="rect">
             <a:avLst/>
@@ -21906,7 +21906,7 @@
         <p:spPr>
           <a:xfrm>
             <a:off x="948240" y="2217240"/>
-            <a:ext cx="552600" cy="552600"/>
+            <a:ext cx="552240" cy="552240"/>
           </a:xfrm>
           <a:prstGeom prst="rect">
             <a:avLst/>
@@ -21929,7 +21929,7 @@
         <p:spPr>
           <a:xfrm>
             <a:off x="948240" y="3152160"/>
-            <a:ext cx="552600" cy="552600"/>
+            <a:ext cx="552240" cy="552240"/>
           </a:xfrm>
           <a:prstGeom prst="rect">
             <a:avLst/>
@@ -21942,7 +21942,7 @@
     </p:spTree>
   </p:cSld>
   <p:transition spd="med">
-    <p:pull dir="l"/>
+    <p:pull dir="r"/>
   </p:transition>
 </p:sld>
 </file>
@@ -21977,7 +21977,7 @@
         <p:spPr>
           <a:xfrm>
             <a:off x="1606680" y="345240"/>
-            <a:ext cx="8643240" cy="477360"/>
+            <a:ext cx="8642880" cy="477000"/>
           </a:xfrm>
           <a:prstGeom prst="rect">
             <a:avLst/>
@@ -22023,7 +22023,7 @@
         <p:spPr>
           <a:xfrm>
             <a:off x="660240" y="1439640"/>
-            <a:ext cx="2852640" cy="619200"/>
+            <a:ext cx="2852280" cy="618840"/>
           </a:xfrm>
           <a:prstGeom prst="roundRect">
             <a:avLst>
@@ -22058,7 +22058,7 @@
               </a:tabLst>
             </a:pPr>
             <a:r>
-              <a:rPr b="1" lang="en-US" sz="2800" spc="296" strike="noStrike">
+              <a:rPr b="1" lang="en-US" sz="2800" spc="293" strike="noStrike">
                 <a:solidFill>
                   <a:srgbClr val="ffffff"/>
                 </a:solidFill>
@@ -22068,7 +22068,7 @@
               <a:t>linker</a:t>
             </a:r>
             <a:r>
-              <a:rPr b="1" lang="zh-CN" sz="2800" spc="296" strike="noStrike">
+              <a:rPr b="1" lang="zh-CN" sz="2800" spc="293" strike="noStrike">
                 <a:solidFill>
                   <a:srgbClr val="ffffff"/>
                 </a:solidFill>
@@ -22092,7 +22092,7 @@
         <p:spPr>
           <a:xfrm>
             <a:off x="660240" y="2217240"/>
-            <a:ext cx="5434920" cy="1585080"/>
+            <a:ext cx="5434560" cy="1585080"/>
           </a:xfrm>
           <a:prstGeom prst="rect">
             <a:avLst/>
@@ -22225,7 +22225,7 @@
         <p:spPr>
           <a:xfrm>
             <a:off x="357480" y="235080"/>
-            <a:ext cx="969120" cy="638280"/>
+            <a:ext cx="968760" cy="638280"/>
           </a:xfrm>
           <a:prstGeom prst="rect">
             <a:avLst/>
@@ -22274,7 +22274,7 @@
     </p:spTree>
   </p:cSld>
   <p:transition spd="med">
-    <p:pull dir="l"/>
+    <p:pull dir="r"/>
   </p:transition>
 </p:sld>
 </file>
@@ -22309,7 +22309,7 @@
         <p:spPr>
           <a:xfrm>
             <a:off x="1606680" y="345240"/>
-            <a:ext cx="8643240" cy="477360"/>
+            <a:ext cx="8642880" cy="477000"/>
           </a:xfrm>
           <a:prstGeom prst="rect">
             <a:avLst/>
@@ -22355,7 +22355,7 @@
         <p:spPr>
           <a:xfrm>
             <a:off x="660240" y="1439640"/>
-            <a:ext cx="4559400" cy="619200"/>
+            <a:ext cx="4559040" cy="618840"/>
           </a:xfrm>
           <a:prstGeom prst="roundRect">
             <a:avLst>
@@ -22390,7 +22390,7 @@
               </a:tabLst>
             </a:pPr>
             <a:r>
-              <a:rPr b="1" lang="en-US" sz="2800" spc="296" strike="noStrike">
+              <a:rPr b="1" lang="en-US" sz="2800" spc="293" strike="noStrike">
                 <a:solidFill>
                   <a:srgbClr val="ffffff"/>
                 </a:solidFill>
@@ -22400,7 +22400,7 @@
               <a:t>kernel-context</a:t>
             </a:r>
             <a:r>
-              <a:rPr b="1" lang="zh-CN" sz="2800" spc="296" strike="noStrike">
+              <a:rPr b="1" lang="zh-CN" sz="2800" spc="293" strike="noStrike">
                 <a:solidFill>
                   <a:srgbClr val="ffffff"/>
                 </a:solidFill>
@@ -22424,7 +22424,7 @@
         <p:spPr>
           <a:xfrm>
             <a:off x="660240" y="2059560"/>
-            <a:ext cx="8339760" cy="1585080"/>
+            <a:ext cx="8339400" cy="1585080"/>
           </a:xfrm>
           <a:prstGeom prst="rect">
             <a:avLst/>
@@ -22636,7 +22636,7 @@
         <p:spPr>
           <a:xfrm>
             <a:off x="357480" y="235080"/>
-            <a:ext cx="969120" cy="638280"/>
+            <a:ext cx="968760" cy="638280"/>
           </a:xfrm>
           <a:prstGeom prst="rect">
             <a:avLst/>
@@ -22685,7 +22685,7 @@
     </p:spTree>
   </p:cSld>
   <p:transition spd="med">
-    <p:pull dir="l"/>
+    <p:pull dir="r"/>
   </p:transition>
 </p:sld>
 </file>
@@ -22720,7 +22720,7 @@
         <p:spPr>
           <a:xfrm>
             <a:off x="1606680" y="345240"/>
-            <a:ext cx="8643240" cy="477360"/>
+            <a:ext cx="8642880" cy="477000"/>
           </a:xfrm>
           <a:prstGeom prst="rect">
             <a:avLst/>
@@ -22766,7 +22766,7 @@
         <p:spPr>
           <a:xfrm>
             <a:off x="660240" y="1439640"/>
-            <a:ext cx="3839400" cy="619200"/>
+            <a:ext cx="3839040" cy="618840"/>
           </a:xfrm>
           <a:prstGeom prst="roundRect">
             <a:avLst>
@@ -22801,7 +22801,7 @@
               </a:tabLst>
             </a:pPr>
             <a:r>
-              <a:rPr b="1" lang="en-US" sz="2800" spc="296" strike="noStrike">
+              <a:rPr b="1" lang="en-US" sz="2800" spc="293" strike="noStrike">
                 <a:solidFill>
                   <a:srgbClr val="ffffff"/>
                 </a:solidFill>
@@ -22811,7 +22811,7 @@
               <a:t>task-manage</a:t>
             </a:r>
             <a:r>
-              <a:rPr b="1" lang="zh-CN" sz="2800" spc="296" strike="noStrike">
+              <a:rPr b="1" lang="zh-CN" sz="2800" spc="293" strike="noStrike">
                 <a:solidFill>
                   <a:srgbClr val="ffffff"/>
                 </a:solidFill>
@@ -22835,7 +22835,7 @@
         <p:spPr>
           <a:xfrm>
             <a:off x="637200" y="2059560"/>
-            <a:ext cx="7102800" cy="1149480"/>
+            <a:ext cx="7102440" cy="1149120"/>
           </a:xfrm>
           <a:prstGeom prst="rect">
             <a:avLst/>
@@ -22956,13 +22956,21 @@
             </a:pPr>
             <a:r>
               <a:rPr b="0" lang="en-US" sz="1800" spc="-1" strike="noStrike">
+                <a:solidFill>
+                  <a:srgbClr val="000000"/>
+                </a:solidFill>
                 <a:latin typeface="Arial"/>
+                <a:ea typeface="DejaVu Sans"/>
               </a:rPr>
               <a:t>ProcRel</a:t>
             </a:r>
             <a:r>
               <a:rPr b="0" lang="zh-CN" sz="1800" spc="-1" strike="noStrike">
+                <a:solidFill>
+                  <a:srgbClr val="000000"/>
+                </a:solidFill>
                 <a:latin typeface="Arial"/>
+                <a:ea typeface="DejaVu Sans"/>
               </a:rPr>
               <a:t>结构及其方法的测试。</a:t>
             </a:r>
@@ -22981,7 +22989,7 @@
         <p:spPr>
           <a:xfrm>
             <a:off x="357480" y="235080"/>
-            <a:ext cx="969120" cy="638280"/>
+            <a:ext cx="968760" cy="638280"/>
           </a:xfrm>
           <a:prstGeom prst="rect">
             <a:avLst/>
@@ -23030,7 +23038,7 @@
     </p:spTree>
   </p:cSld>
   <p:transition spd="med">
-    <p:pull dir="l"/>
+    <p:pull dir="r"/>
   </p:transition>
 </p:sld>
 </file>
@@ -23065,7 +23073,7 @@
         <p:spPr>
           <a:xfrm>
             <a:off x="1606680" y="345240"/>
-            <a:ext cx="8643240" cy="477360"/>
+            <a:ext cx="8642880" cy="477000"/>
           </a:xfrm>
           <a:prstGeom prst="rect">
             <a:avLst/>
@@ -23111,7 +23119,7 @@
         <p:spPr>
           <a:xfrm>
             <a:off x="357480" y="235080"/>
-            <a:ext cx="969120" cy="638280"/>
+            <a:ext cx="968760" cy="638280"/>
           </a:xfrm>
           <a:prstGeom prst="rect">
             <a:avLst/>
@@ -23166,9 +23174,9 @@
         <p:grpSpPr>
           <a:xfrm>
             <a:off x="417240" y="1260000"/>
-            <a:ext cx="11642760" cy="1715400"/>
+            <a:ext cx="11642400" cy="1715040"/>
             <a:chOff x="417240" y="1260000"/>
-            <a:chExt cx="11642760" cy="1715400"/>
+            <a:chExt cx="11642400" cy="1715040"/>
           </a:xfrm>
         </p:grpSpPr>
         <p:sp>
@@ -23180,7 +23188,7 @@
           <p:spPr>
             <a:xfrm>
               <a:off x="417240" y="1699920"/>
-              <a:ext cx="3880080" cy="49320"/>
+              <a:ext cx="3879720" cy="48960"/>
             </a:xfrm>
             <a:prstGeom prst="rect">
               <a:avLst/>
@@ -23216,7 +23224,7 @@
           <p:spPr>
             <a:xfrm>
               <a:off x="417240" y="1260000"/>
-              <a:ext cx="5626440" cy="455400"/>
+              <a:ext cx="5626080" cy="455400"/>
             </a:xfrm>
             <a:prstGeom prst="rect">
               <a:avLst/>
@@ -23244,7 +23252,7 @@
                 <a:buNone/>
               </a:pPr>
               <a:r>
-                <a:rPr b="1" lang="zh-CN" sz="2400" spc="94" strike="noStrike">
+                <a:rPr b="1" lang="zh-CN" sz="2400" spc="92" strike="noStrike">
                   <a:solidFill>
                     <a:srgbClr val="006c39"/>
                   </a:solidFill>
@@ -23268,7 +23276,7 @@
           <p:spPr>
             <a:xfrm>
               <a:off x="417240" y="1911240"/>
-              <a:ext cx="11642760" cy="1064160"/>
+              <a:ext cx="11642400" cy="1063800"/>
             </a:xfrm>
             <a:prstGeom prst="rect">
               <a:avLst/>
@@ -23645,9 +23653,9 @@
         <p:grpSpPr>
           <a:xfrm>
             <a:off x="474120" y="3746880"/>
-            <a:ext cx="5825880" cy="2193120"/>
+            <a:ext cx="5825520" cy="2192760"/>
             <a:chOff x="474120" y="3746880"/>
-            <a:chExt cx="5825880" cy="2193120"/>
+            <a:chExt cx="5825520" cy="2192760"/>
           </a:xfrm>
         </p:grpSpPr>
         <p:sp>
@@ -23659,7 +23667,7 @@
           <p:spPr>
             <a:xfrm>
               <a:off x="474120" y="4378320"/>
-              <a:ext cx="1812240" cy="71280"/>
+              <a:ext cx="1811880" cy="70920"/>
             </a:xfrm>
             <a:prstGeom prst="rect">
               <a:avLst/>
@@ -23695,7 +23703,7 @@
           <p:spPr>
             <a:xfrm>
               <a:off x="474120" y="3746880"/>
-              <a:ext cx="5825880" cy="455400"/>
+              <a:ext cx="5825520" cy="455400"/>
             </a:xfrm>
             <a:prstGeom prst="rect">
               <a:avLst/>
@@ -23723,7 +23731,7 @@
                 <a:buNone/>
               </a:pPr>
               <a:r>
-                <a:rPr b="1" lang="zh-CN" sz="2400" spc="94" strike="noStrike">
+                <a:rPr b="1" lang="zh-CN" sz="2400" spc="92" strike="noStrike">
                   <a:solidFill>
                     <a:srgbClr val="006c39"/>
                   </a:solidFill>
@@ -23747,7 +23755,7 @@
           <p:spPr>
             <a:xfrm>
               <a:off x="474120" y="4681440"/>
-              <a:ext cx="5438160" cy="1258560"/>
+              <a:ext cx="5437800" cy="1258200"/>
             </a:xfrm>
             <a:prstGeom prst="rect">
               <a:avLst/>
@@ -23855,7 +23863,7 @@
     </p:spTree>
   </p:cSld>
   <p:transition spd="med">
-    <p:pull dir="l"/>
+    <p:pull dir="r"/>
   </p:transition>
 </p:sld>
 </file>
@@ -23890,7 +23898,7 @@
         <p:spPr>
           <a:xfrm>
             <a:off x="1606680" y="345240"/>
-            <a:ext cx="8643240" cy="477360"/>
+            <a:ext cx="8642880" cy="477000"/>
           </a:xfrm>
           <a:prstGeom prst="rect">
             <a:avLst/>
@@ -23936,7 +23944,7 @@
         <p:spPr>
           <a:xfrm>
             <a:off x="357480" y="235080"/>
-            <a:ext cx="969120" cy="638280"/>
+            <a:ext cx="968760" cy="638280"/>
           </a:xfrm>
           <a:prstGeom prst="rect">
             <a:avLst/>
@@ -23991,9 +23999,9 @@
         <p:grpSpPr>
           <a:xfrm>
             <a:off x="545760" y="1399320"/>
-            <a:ext cx="10721880" cy="3679920"/>
+            <a:ext cx="10721520" cy="3679560"/>
             <a:chOff x="545760" y="1399320"/>
-            <a:chExt cx="10721880" cy="3679920"/>
+            <a:chExt cx="10721520" cy="3679560"/>
           </a:xfrm>
         </p:grpSpPr>
         <p:sp>
@@ -24005,7 +24013,7 @@
           <p:spPr>
             <a:xfrm>
               <a:off x="545760" y="1992960"/>
-              <a:ext cx="3573360" cy="66960"/>
+              <a:ext cx="3573000" cy="66600"/>
             </a:xfrm>
             <a:prstGeom prst="rect">
               <a:avLst/>
@@ -24040,8 +24048,8 @@
           </p:nvSpPr>
           <p:spPr>
             <a:xfrm>
-              <a:off x="559080" y="1399320"/>
-              <a:ext cx="1347120" cy="455400"/>
+              <a:off x="559440" y="1399320"/>
+              <a:ext cx="1346040" cy="455400"/>
             </a:xfrm>
             <a:prstGeom prst="rect">
               <a:avLst/>
@@ -24069,7 +24077,7 @@
                 <a:buNone/>
               </a:pPr>
               <a:r>
-                <a:rPr b="1" lang="zh-CN" sz="2400" spc="94" strike="noStrike">
+                <a:rPr b="1" lang="zh-CN" sz="2400" spc="92" strike="noStrike">
                   <a:solidFill>
                     <a:srgbClr val="006c39"/>
                   </a:solidFill>
@@ -24093,7 +24101,7 @@
           <p:spPr>
             <a:xfrm>
               <a:off x="545760" y="2277720"/>
-              <a:ext cx="10721880" cy="2801520"/>
+              <a:ext cx="10721520" cy="2801160"/>
             </a:xfrm>
             <a:prstGeom prst="rect">
               <a:avLst/>
@@ -24164,7 +24172,7 @@
                   <a:latin typeface="微软雅黑"/>
                   <a:ea typeface="微软雅黑"/>
                 </a:rPr>
-                <a:t>4.6-4.20   </a:t>
+                <a:t>4.6-4.15   </a:t>
               </a:r>
               <a:r>
                 <a:rPr b="0" lang="zh-CN" sz="1800" spc="-1" strike="noStrike">
@@ -24219,7 +24227,7 @@
                   <a:latin typeface="微软雅黑"/>
                   <a:ea typeface="微软雅黑"/>
                 </a:rPr>
-                <a:t>4.20-4.30 </a:t>
+                <a:t>4.16-4.23 </a:t>
               </a:r>
               <a:r>
                 <a:rPr b="0" lang="zh-CN" sz="1800" spc="-1" strike="noStrike">
@@ -24274,7 +24282,7 @@
                   <a:latin typeface="微软雅黑"/>
                   <a:ea typeface="微软雅黑"/>
                 </a:rPr>
-                <a:t>4.30-5.12  </a:t>
+                <a:t>4.24-4.30  </a:t>
               </a:r>
               <a:r>
                 <a:rPr b="0" lang="zh-CN" sz="1800" spc="-1" strike="noStrike">
@@ -24336,7 +24344,7 @@
     </p:spTree>
   </p:cSld>
   <p:transition spd="med">
-    <p:pull dir="l"/>
+    <p:pull dir="r"/>
   </p:transition>
 </p:sld>
 </file>
